--- a/JavaScriptObjects/JavaScriptObjects.pptx
+++ b/JavaScriptObjects/JavaScriptObjects.pptx
@@ -217,7 +217,7 @@
           <a:p>
             <a:fld id="{19104133-B5B0-4351-8158-4F0E5EB1E2BF}" type="datetimeFigureOut">
               <a:rPr lang="en-US" smtClean="0"/>
-              <a:t>1/9/2020</a:t>
+              <a:t>1/14/2020</a:t>
             </a:fld>
             <a:endParaRPr lang="en-US"/>
           </a:p>
@@ -869,11 +869,7 @@
             </a:r>
             <a:r>
               <a:rPr lang="en-US" b="0" baseline="0" dirty="0" smtClean="0"/>
-              <a:t> to separate each property-value</a:t>
-            </a:r>
-            <a:r>
-              <a:rPr lang="en-US" b="0" baseline="0" dirty="0" smtClean="0"/>
-              <a:t>.</a:t>
+              <a:t> to separate each property-value.</a:t>
             </a:r>
           </a:p>
           <a:p>
@@ -1278,7 +1274,31 @@
                 <a:ea typeface="+mn-ea"/>
                 <a:cs typeface="+mn-cs"/>
               </a:rPr>
-              <a:t>: a string, a number, even another object!</a:t>
+              <a:t>: a string, a number, </a:t>
+            </a:r>
+            <a:r>
+              <a:rPr lang="en-US" sz="1200" b="1" i="0" kern="1200" baseline="0" dirty="0" smtClean="0">
+                <a:solidFill>
+                  <a:schemeClr val="tx1"/>
+                </a:solidFill>
+                <a:effectLst/>
+                <a:latin typeface="+mn-lt"/>
+                <a:ea typeface="+mn-ea"/>
+                <a:cs typeface="+mn-cs"/>
+              </a:rPr>
+              <a:t>even another object or a function</a:t>
+            </a:r>
+            <a:r>
+              <a:rPr lang="en-US" sz="1200" b="0" i="0" kern="1200" baseline="0" dirty="0" smtClean="0">
+                <a:solidFill>
+                  <a:schemeClr val="tx1"/>
+                </a:solidFill>
+                <a:effectLst/>
+                <a:latin typeface="+mn-lt"/>
+                <a:ea typeface="+mn-ea"/>
+                <a:cs typeface="+mn-cs"/>
+              </a:rPr>
+              <a:t>!!</a:t>
             </a:r>
             <a:endParaRPr lang="en-US" dirty="0"/>
           </a:p>
@@ -1802,7 +1822,7 @@
             <a:fld id="{1C2D31DE-C454-491C-B5C3-F097855E3DF7}" type="datetime4">
               <a:rPr lang="en-US" smtClean="0"/>
               <a:pPr/>
-              <a:t>January 9, 2020</a:t>
+              <a:t>January 14, 2020</a:t>
             </a:fld>
             <a:endParaRPr lang="en-US" dirty="0"/>
           </a:p>
@@ -5202,7 +5222,7 @@
           <a:p>
             <a:fld id="{5958763E-B898-436D-883D-03711491D54A}" type="datetimeFigureOut">
               <a:rPr lang="en-US" smtClean="0"/>
-              <a:t>1/9/2020</a:t>
+              <a:t>1/14/2020</a:t>
             </a:fld>
             <a:endParaRPr lang="en-US"/>
           </a:p>
@@ -5403,7 +5423,7 @@
           <a:p>
             <a:fld id="{5958763E-B898-436D-883D-03711491D54A}" type="datetimeFigureOut">
               <a:rPr lang="en-US" smtClean="0"/>
-              <a:t>1/9/2020</a:t>
+              <a:t>1/14/2020</a:t>
             </a:fld>
             <a:endParaRPr lang="en-US"/>
           </a:p>
@@ -5660,7 +5680,7 @@
           <a:p>
             <a:fld id="{5958763E-B898-436D-883D-03711491D54A}" type="datetimeFigureOut">
               <a:rPr lang="en-US" smtClean="0"/>
-              <a:t>1/9/2020</a:t>
+              <a:t>1/14/2020</a:t>
             </a:fld>
             <a:endParaRPr lang="en-US"/>
           </a:p>
@@ -6015,7 +6035,7 @@
           <a:p>
             <a:fld id="{5958763E-B898-436D-883D-03711491D54A}" type="datetimeFigureOut">
               <a:rPr lang="en-US" smtClean="0"/>
-              <a:t>1/9/2020</a:t>
+              <a:t>1/14/2020</a:t>
             </a:fld>
             <a:endParaRPr lang="en-US"/>
           </a:p>
@@ -6438,7 +6458,7 @@
           <a:p>
             <a:fld id="{5958763E-B898-436D-883D-03711491D54A}" type="datetimeFigureOut">
               <a:rPr lang="en-US" smtClean="0"/>
-              <a:t>1/9/2020</a:t>
+              <a:t>1/14/2020</a:t>
             </a:fld>
             <a:endParaRPr lang="en-US"/>
           </a:p>
@@ -6946,7 +6966,7 @@
           <a:p>
             <a:fld id="{5958763E-B898-436D-883D-03711491D54A}" type="datetimeFigureOut">
               <a:rPr lang="en-US" smtClean="0"/>
-              <a:t>1/9/2020</a:t>
+              <a:t>1/14/2020</a:t>
             </a:fld>
             <a:endParaRPr lang="en-US"/>
           </a:p>
@@ -7404,7 +7424,7 @@
           <a:p>
             <a:fld id="{5958763E-B898-436D-883D-03711491D54A}" type="datetimeFigureOut">
               <a:rPr lang="en-US" smtClean="0"/>
-              <a:t>1/9/2020</a:t>
+              <a:t>1/14/2020</a:t>
             </a:fld>
             <a:endParaRPr lang="en-US"/>
           </a:p>
@@ -8022,7 +8042,7 @@
           <a:p>
             <a:fld id="{5958763E-B898-436D-883D-03711491D54A}" type="datetimeFigureOut">
               <a:rPr lang="en-US" smtClean="0"/>
-              <a:t>1/9/2020</a:t>
+              <a:t>1/14/2020</a:t>
             </a:fld>
             <a:endParaRPr lang="en-US"/>
           </a:p>
@@ -8800,7 +8820,7 @@
           <a:p>
             <a:fld id="{5958763E-B898-436D-883D-03711491D54A}" type="datetimeFigureOut">
               <a:rPr lang="en-US" smtClean="0"/>
-              <a:t>1/9/2020</a:t>
+              <a:t>1/14/2020</a:t>
             </a:fld>
             <a:endParaRPr lang="en-US"/>
           </a:p>
@@ -8911,7 +8931,7 @@
           <a:p>
             <a:fld id="{5958763E-B898-436D-883D-03711491D54A}" type="datetimeFigureOut">
               <a:rPr lang="en-US" smtClean="0"/>
-              <a:t>1/9/2020</a:t>
+              <a:t>1/14/2020</a:t>
             </a:fld>
             <a:endParaRPr lang="en-US"/>
           </a:p>
@@ -9253,7 +9273,7 @@
             <a:fld id="{1C2D31DE-C454-491C-B5C3-F097855E3DF7}" type="datetime4">
               <a:rPr lang="en-US" smtClean="0"/>
               <a:pPr/>
-              <a:t>January 9, 2020</a:t>
+              <a:t>January 14, 2020</a:t>
             </a:fld>
             <a:endParaRPr lang="en-US" dirty="0"/>
           </a:p>
@@ -12413,7 +12433,7 @@
           <a:p>
             <a:fld id="{5958763E-B898-436D-883D-03711491D54A}" type="datetimeFigureOut">
               <a:rPr lang="en-US" smtClean="0"/>
-              <a:t>1/9/2020</a:t>
+              <a:t>1/14/2020</a:t>
             </a:fld>
             <a:endParaRPr lang="en-US"/>
           </a:p>
@@ -12544,7 +12564,7 @@
           <a:p>
             <a:fld id="{5958763E-B898-436D-883D-03711491D54A}" type="datetimeFigureOut">
               <a:rPr lang="en-US" smtClean="0"/>
-              <a:t>1/9/2020</a:t>
+              <a:t>1/14/2020</a:t>
             </a:fld>
             <a:endParaRPr lang="en-US"/>
           </a:p>
@@ -12675,7 +12695,7 @@
           <a:p>
             <a:fld id="{5958763E-B898-436D-883D-03711491D54A}" type="datetimeFigureOut">
               <a:rPr lang="en-US" smtClean="0"/>
-              <a:t>1/9/2020</a:t>
+              <a:t>1/14/2020</a:t>
             </a:fld>
             <a:endParaRPr lang="en-US"/>
           </a:p>
@@ -12806,7 +12826,7 @@
           <a:p>
             <a:fld id="{5958763E-B898-436D-883D-03711491D54A}" type="datetimeFigureOut">
               <a:rPr lang="en-US" smtClean="0"/>
-              <a:t>1/9/2020</a:t>
+              <a:t>1/14/2020</a:t>
             </a:fld>
             <a:endParaRPr lang="en-US"/>
           </a:p>
@@ -12937,7 +12957,7 @@
           <a:p>
             <a:fld id="{5958763E-B898-436D-883D-03711491D54A}" type="datetimeFigureOut">
               <a:rPr lang="en-US" smtClean="0"/>
-              <a:t>1/9/2020</a:t>
+              <a:t>1/14/2020</a:t>
             </a:fld>
             <a:endParaRPr lang="en-US"/>
           </a:p>
@@ -13068,7 +13088,7 @@
           <a:p>
             <a:fld id="{5958763E-B898-436D-883D-03711491D54A}" type="datetimeFigureOut">
               <a:rPr lang="en-US" smtClean="0"/>
-              <a:t>1/9/2020</a:t>
+              <a:t>1/14/2020</a:t>
             </a:fld>
             <a:endParaRPr lang="en-US"/>
           </a:p>
@@ -13199,7 +13219,7 @@
           <a:p>
             <a:fld id="{5958763E-B898-436D-883D-03711491D54A}" type="datetimeFigureOut">
               <a:rPr lang="en-US" smtClean="0"/>
-              <a:t>1/9/2020</a:t>
+              <a:t>1/14/2020</a:t>
             </a:fld>
             <a:endParaRPr lang="en-US"/>
           </a:p>
@@ -13330,7 +13350,7 @@
           <a:p>
             <a:fld id="{5958763E-B898-436D-883D-03711491D54A}" type="datetimeFigureOut">
               <a:rPr lang="en-US" smtClean="0"/>
-              <a:t>1/9/2020</a:t>
+              <a:t>1/14/2020</a:t>
             </a:fld>
             <a:endParaRPr lang="en-US"/>
           </a:p>
@@ -13470,7 +13490,7 @@
           <a:p>
             <a:fld id="{5958763E-B898-436D-883D-03711491D54A}" type="datetimeFigureOut">
               <a:rPr lang="en-US" smtClean="0"/>
-              <a:t>1/9/2020</a:t>
+              <a:t>1/14/2020</a:t>
             </a:fld>
             <a:endParaRPr lang="en-US"/>
           </a:p>
@@ -16831,7 +16851,7 @@
             <a:fld id="{1C2D31DE-C454-491C-B5C3-F097855E3DF7}" type="datetime4">
               <a:rPr lang="en-US" smtClean="0"/>
               <a:pPr/>
-              <a:t>January 9, 2020</a:t>
+              <a:t>January 14, 2020</a:t>
             </a:fld>
             <a:endParaRPr lang="en-US" dirty="0"/>
           </a:p>
@@ -29076,7 +29096,7 @@
           <a:p>
             <a:fld id="{5958763E-B898-436D-883D-03711491D54A}" type="datetimeFigureOut">
               <a:rPr lang="en-US" smtClean="0"/>
-              <a:t>1/9/2020</a:t>
+              <a:t>1/14/2020</a:t>
             </a:fld>
             <a:endParaRPr lang="en-US"/>
           </a:p>
@@ -29485,7 +29505,7 @@
           <a:p>
             <a:fld id="{5958763E-B898-436D-883D-03711491D54A}" type="datetimeFigureOut">
               <a:rPr lang="en-US" smtClean="0"/>
-              <a:t>1/9/2020</a:t>
+              <a:t>1/14/2020</a:t>
             </a:fld>
             <a:endParaRPr lang="en-US"/>
           </a:p>
@@ -29786,7 +29806,7 @@
           <a:p>
             <a:fld id="{5958763E-B898-436D-883D-03711491D54A}" type="datetimeFigureOut">
               <a:rPr lang="en-US" smtClean="0"/>
-              <a:t>1/9/2020</a:t>
+              <a:t>1/14/2020</a:t>
             </a:fld>
             <a:endParaRPr lang="en-US"/>
           </a:p>
@@ -29994,7 +30014,7 @@
           <a:p>
             <a:fld id="{5958763E-B898-436D-883D-03711491D54A}" type="datetimeFigureOut">
               <a:rPr lang="en-US" smtClean="0"/>
-              <a:t>1/9/2020</a:t>
+              <a:t>1/14/2020</a:t>
             </a:fld>
             <a:endParaRPr lang="en-US"/>
           </a:p>
@@ -30262,7 +30282,7 @@
           <a:p>
             <a:fld id="{5958763E-B898-436D-883D-03711491D54A}" type="datetimeFigureOut">
               <a:rPr lang="en-US" smtClean="0"/>
-              <a:t>1/9/2020</a:t>
+              <a:t>1/14/2020</a:t>
             </a:fld>
             <a:endParaRPr lang="en-US"/>
           </a:p>
@@ -30779,7 +30799,7 @@
           <a:p>
             <a:fld id="{5958763E-B898-436D-883D-03711491D54A}" type="datetimeFigureOut">
               <a:rPr lang="en-US" smtClean="0"/>
-              <a:t>1/9/2020</a:t>
+              <a:t>1/14/2020</a:t>
             </a:fld>
             <a:endParaRPr lang="en-US"/>
           </a:p>
@@ -31267,7 +31287,7 @@
           <a:p>
             <a:fld id="{5958763E-B898-436D-883D-03711491D54A}" type="datetimeFigureOut">
               <a:rPr lang="en-US" smtClean="0"/>
-              <a:t>1/9/2020</a:t>
+              <a:t>1/14/2020</a:t>
             </a:fld>
             <a:endParaRPr lang="en-US"/>
           </a:p>
@@ -32093,7 +32113,7 @@
           <a:p>
             <a:fld id="{5958763E-B898-436D-883D-03711491D54A}" type="datetimeFigureOut">
               <a:rPr lang="en-US" smtClean="0"/>
-              <a:t>1/9/2020</a:t>
+              <a:t>1/14/2020</a:t>
             </a:fld>
             <a:endParaRPr lang="en-US"/>
           </a:p>
@@ -32301,7 +32321,7 @@
           <a:p>
             <a:fld id="{5958763E-B898-436D-883D-03711491D54A}" type="datetimeFigureOut">
               <a:rPr lang="en-US" smtClean="0"/>
-              <a:t>1/9/2020</a:t>
+              <a:t>1/14/2020</a:t>
             </a:fld>
             <a:endParaRPr lang="en-US"/>
           </a:p>
@@ -32643,7 +32663,7 @@
           <a:p>
             <a:fld id="{5958763E-B898-436D-883D-03711491D54A}" type="datetimeFigureOut">
               <a:rPr lang="en-US" smtClean="0"/>
-              <a:t>1/9/2020</a:t>
+              <a:t>1/14/2020</a:t>
             </a:fld>
             <a:endParaRPr lang="en-US"/>
           </a:p>
@@ -32880,7 +32900,7 @@
           <a:p>
             <a:fld id="{5958763E-B898-436D-883D-03711491D54A}" type="datetimeFigureOut">
               <a:rPr lang="en-US" smtClean="0"/>
-              <a:t>1/9/2020</a:t>
+              <a:t>1/14/2020</a:t>
             </a:fld>
             <a:endParaRPr lang="en-US"/>
           </a:p>
@@ -33131,7 +33151,7 @@
           <a:p>
             <a:fld id="{5958763E-B898-436D-883D-03711491D54A}" type="datetimeFigureOut">
               <a:rPr lang="en-US" smtClean="0"/>
-              <a:t>1/9/2020</a:t>
+              <a:t>1/14/2020</a:t>
             </a:fld>
             <a:endParaRPr lang="en-US"/>
           </a:p>
@@ -37906,11 +37926,7 @@
           <a:p>
             <a:r>
               <a:rPr lang="en-US" dirty="0" smtClean="0"/>
-              <a:t>Objects in </a:t>
-            </a:r>
-            <a:r>
-              <a:rPr lang="en-US" dirty="0" smtClean="0"/>
-              <a:t>JavaScript – JSON</a:t>
+              <a:t>Objects in JavaScript – JSON</a:t>
             </a:r>
             <a:endParaRPr lang="en-US" dirty="0"/>
           </a:p>

--- a/JavaScriptObjects/JavaScriptObjects.pptx
+++ b/JavaScriptObjects/JavaScriptObjects.pptx
@@ -217,7 +217,7 @@
           <a:p>
             <a:fld id="{19104133-B5B0-4351-8158-4F0E5EB1E2BF}" type="datetimeFigureOut">
               <a:rPr lang="en-US" smtClean="0"/>
-              <a:t>1/14/2020</a:t>
+              <a:t>2/4/2020</a:t>
             </a:fld>
             <a:endParaRPr lang="en-US"/>
           </a:p>
@@ -1822,7 +1822,7 @@
             <a:fld id="{1C2D31DE-C454-491C-B5C3-F097855E3DF7}" type="datetime4">
               <a:rPr lang="en-US" smtClean="0"/>
               <a:pPr/>
-              <a:t>January 14, 2020</a:t>
+              <a:t>February 4, 2020</a:t>
             </a:fld>
             <a:endParaRPr lang="en-US" dirty="0"/>
           </a:p>
@@ -5222,7 +5222,7 @@
           <a:p>
             <a:fld id="{5958763E-B898-436D-883D-03711491D54A}" type="datetimeFigureOut">
               <a:rPr lang="en-US" smtClean="0"/>
-              <a:t>1/14/2020</a:t>
+              <a:t>2/4/2020</a:t>
             </a:fld>
             <a:endParaRPr lang="en-US"/>
           </a:p>
@@ -5423,7 +5423,7 @@
           <a:p>
             <a:fld id="{5958763E-B898-436D-883D-03711491D54A}" type="datetimeFigureOut">
               <a:rPr lang="en-US" smtClean="0"/>
-              <a:t>1/14/2020</a:t>
+              <a:t>2/4/2020</a:t>
             </a:fld>
             <a:endParaRPr lang="en-US"/>
           </a:p>
@@ -5680,7 +5680,7 @@
           <a:p>
             <a:fld id="{5958763E-B898-436D-883D-03711491D54A}" type="datetimeFigureOut">
               <a:rPr lang="en-US" smtClean="0"/>
-              <a:t>1/14/2020</a:t>
+              <a:t>2/4/2020</a:t>
             </a:fld>
             <a:endParaRPr lang="en-US"/>
           </a:p>
@@ -6035,7 +6035,7 @@
           <a:p>
             <a:fld id="{5958763E-B898-436D-883D-03711491D54A}" type="datetimeFigureOut">
               <a:rPr lang="en-US" smtClean="0"/>
-              <a:t>1/14/2020</a:t>
+              <a:t>2/4/2020</a:t>
             </a:fld>
             <a:endParaRPr lang="en-US"/>
           </a:p>
@@ -6458,7 +6458,7 @@
           <a:p>
             <a:fld id="{5958763E-B898-436D-883D-03711491D54A}" type="datetimeFigureOut">
               <a:rPr lang="en-US" smtClean="0"/>
-              <a:t>1/14/2020</a:t>
+              <a:t>2/4/2020</a:t>
             </a:fld>
             <a:endParaRPr lang="en-US"/>
           </a:p>
@@ -6966,7 +6966,7 @@
           <a:p>
             <a:fld id="{5958763E-B898-436D-883D-03711491D54A}" type="datetimeFigureOut">
               <a:rPr lang="en-US" smtClean="0"/>
-              <a:t>1/14/2020</a:t>
+              <a:t>2/4/2020</a:t>
             </a:fld>
             <a:endParaRPr lang="en-US"/>
           </a:p>
@@ -7424,7 +7424,7 @@
           <a:p>
             <a:fld id="{5958763E-B898-436D-883D-03711491D54A}" type="datetimeFigureOut">
               <a:rPr lang="en-US" smtClean="0"/>
-              <a:t>1/14/2020</a:t>
+              <a:t>2/4/2020</a:t>
             </a:fld>
             <a:endParaRPr lang="en-US"/>
           </a:p>
@@ -8042,7 +8042,7 @@
           <a:p>
             <a:fld id="{5958763E-B898-436D-883D-03711491D54A}" type="datetimeFigureOut">
               <a:rPr lang="en-US" smtClean="0"/>
-              <a:t>1/14/2020</a:t>
+              <a:t>2/4/2020</a:t>
             </a:fld>
             <a:endParaRPr lang="en-US"/>
           </a:p>
@@ -8820,7 +8820,7 @@
           <a:p>
             <a:fld id="{5958763E-B898-436D-883D-03711491D54A}" type="datetimeFigureOut">
               <a:rPr lang="en-US" smtClean="0"/>
-              <a:t>1/14/2020</a:t>
+              <a:t>2/4/2020</a:t>
             </a:fld>
             <a:endParaRPr lang="en-US"/>
           </a:p>
@@ -8931,7 +8931,7 @@
           <a:p>
             <a:fld id="{5958763E-B898-436D-883D-03711491D54A}" type="datetimeFigureOut">
               <a:rPr lang="en-US" smtClean="0"/>
-              <a:t>1/14/2020</a:t>
+              <a:t>2/4/2020</a:t>
             </a:fld>
             <a:endParaRPr lang="en-US"/>
           </a:p>
@@ -9273,7 +9273,7 @@
             <a:fld id="{1C2D31DE-C454-491C-B5C3-F097855E3DF7}" type="datetime4">
               <a:rPr lang="en-US" smtClean="0"/>
               <a:pPr/>
-              <a:t>January 14, 2020</a:t>
+              <a:t>February 4, 2020</a:t>
             </a:fld>
             <a:endParaRPr lang="en-US" dirty="0"/>
           </a:p>
@@ -12433,7 +12433,7 @@
           <a:p>
             <a:fld id="{5958763E-B898-436D-883D-03711491D54A}" type="datetimeFigureOut">
               <a:rPr lang="en-US" smtClean="0"/>
-              <a:t>1/14/2020</a:t>
+              <a:t>2/4/2020</a:t>
             </a:fld>
             <a:endParaRPr lang="en-US"/>
           </a:p>
@@ -12564,7 +12564,7 @@
           <a:p>
             <a:fld id="{5958763E-B898-436D-883D-03711491D54A}" type="datetimeFigureOut">
               <a:rPr lang="en-US" smtClean="0"/>
-              <a:t>1/14/2020</a:t>
+              <a:t>2/4/2020</a:t>
             </a:fld>
             <a:endParaRPr lang="en-US"/>
           </a:p>
@@ -12695,7 +12695,7 @@
           <a:p>
             <a:fld id="{5958763E-B898-436D-883D-03711491D54A}" type="datetimeFigureOut">
               <a:rPr lang="en-US" smtClean="0"/>
-              <a:t>1/14/2020</a:t>
+              <a:t>2/4/2020</a:t>
             </a:fld>
             <a:endParaRPr lang="en-US"/>
           </a:p>
@@ -12826,7 +12826,7 @@
           <a:p>
             <a:fld id="{5958763E-B898-436D-883D-03711491D54A}" type="datetimeFigureOut">
               <a:rPr lang="en-US" smtClean="0"/>
-              <a:t>1/14/2020</a:t>
+              <a:t>2/4/2020</a:t>
             </a:fld>
             <a:endParaRPr lang="en-US"/>
           </a:p>
@@ -12957,7 +12957,7 @@
           <a:p>
             <a:fld id="{5958763E-B898-436D-883D-03711491D54A}" type="datetimeFigureOut">
               <a:rPr lang="en-US" smtClean="0"/>
-              <a:t>1/14/2020</a:t>
+              <a:t>2/4/2020</a:t>
             </a:fld>
             <a:endParaRPr lang="en-US"/>
           </a:p>
@@ -13088,7 +13088,7 @@
           <a:p>
             <a:fld id="{5958763E-B898-436D-883D-03711491D54A}" type="datetimeFigureOut">
               <a:rPr lang="en-US" smtClean="0"/>
-              <a:t>1/14/2020</a:t>
+              <a:t>2/4/2020</a:t>
             </a:fld>
             <a:endParaRPr lang="en-US"/>
           </a:p>
@@ -13219,7 +13219,7 @@
           <a:p>
             <a:fld id="{5958763E-B898-436D-883D-03711491D54A}" type="datetimeFigureOut">
               <a:rPr lang="en-US" smtClean="0"/>
-              <a:t>1/14/2020</a:t>
+              <a:t>2/4/2020</a:t>
             </a:fld>
             <a:endParaRPr lang="en-US"/>
           </a:p>
@@ -13350,7 +13350,7 @@
           <a:p>
             <a:fld id="{5958763E-B898-436D-883D-03711491D54A}" type="datetimeFigureOut">
               <a:rPr lang="en-US" smtClean="0"/>
-              <a:t>1/14/2020</a:t>
+              <a:t>2/4/2020</a:t>
             </a:fld>
             <a:endParaRPr lang="en-US"/>
           </a:p>
@@ -13490,7 +13490,7 @@
           <a:p>
             <a:fld id="{5958763E-B898-436D-883D-03711491D54A}" type="datetimeFigureOut">
               <a:rPr lang="en-US" smtClean="0"/>
-              <a:t>1/14/2020</a:t>
+              <a:t>2/4/2020</a:t>
             </a:fld>
             <a:endParaRPr lang="en-US"/>
           </a:p>
@@ -16851,7 +16851,7 @@
             <a:fld id="{1C2D31DE-C454-491C-B5C3-F097855E3DF7}" type="datetime4">
               <a:rPr lang="en-US" smtClean="0"/>
               <a:pPr/>
-              <a:t>January 14, 2020</a:t>
+              <a:t>February 4, 2020</a:t>
             </a:fld>
             <a:endParaRPr lang="en-US" dirty="0"/>
           </a:p>
@@ -29096,7 +29096,7 @@
           <a:p>
             <a:fld id="{5958763E-B898-436D-883D-03711491D54A}" type="datetimeFigureOut">
               <a:rPr lang="en-US" smtClean="0"/>
-              <a:t>1/14/2020</a:t>
+              <a:t>2/4/2020</a:t>
             </a:fld>
             <a:endParaRPr lang="en-US"/>
           </a:p>
@@ -29505,7 +29505,7 @@
           <a:p>
             <a:fld id="{5958763E-B898-436D-883D-03711491D54A}" type="datetimeFigureOut">
               <a:rPr lang="en-US" smtClean="0"/>
-              <a:t>1/14/2020</a:t>
+              <a:t>2/4/2020</a:t>
             </a:fld>
             <a:endParaRPr lang="en-US"/>
           </a:p>
@@ -29806,7 +29806,7 @@
           <a:p>
             <a:fld id="{5958763E-B898-436D-883D-03711491D54A}" type="datetimeFigureOut">
               <a:rPr lang="en-US" smtClean="0"/>
-              <a:t>1/14/2020</a:t>
+              <a:t>2/4/2020</a:t>
             </a:fld>
             <a:endParaRPr lang="en-US"/>
           </a:p>
@@ -30014,7 +30014,7 @@
           <a:p>
             <a:fld id="{5958763E-B898-436D-883D-03711491D54A}" type="datetimeFigureOut">
               <a:rPr lang="en-US" smtClean="0"/>
-              <a:t>1/14/2020</a:t>
+              <a:t>2/4/2020</a:t>
             </a:fld>
             <a:endParaRPr lang="en-US"/>
           </a:p>
@@ -30282,7 +30282,7 @@
           <a:p>
             <a:fld id="{5958763E-B898-436D-883D-03711491D54A}" type="datetimeFigureOut">
               <a:rPr lang="en-US" smtClean="0"/>
-              <a:t>1/14/2020</a:t>
+              <a:t>2/4/2020</a:t>
             </a:fld>
             <a:endParaRPr lang="en-US"/>
           </a:p>
@@ -30799,7 +30799,7 @@
           <a:p>
             <a:fld id="{5958763E-B898-436D-883D-03711491D54A}" type="datetimeFigureOut">
               <a:rPr lang="en-US" smtClean="0"/>
-              <a:t>1/14/2020</a:t>
+              <a:t>2/4/2020</a:t>
             </a:fld>
             <a:endParaRPr lang="en-US"/>
           </a:p>
@@ -31287,7 +31287,7 @@
           <a:p>
             <a:fld id="{5958763E-B898-436D-883D-03711491D54A}" type="datetimeFigureOut">
               <a:rPr lang="en-US" smtClean="0"/>
-              <a:t>1/14/2020</a:t>
+              <a:t>2/4/2020</a:t>
             </a:fld>
             <a:endParaRPr lang="en-US"/>
           </a:p>
@@ -32113,7 +32113,7 @@
           <a:p>
             <a:fld id="{5958763E-B898-436D-883D-03711491D54A}" type="datetimeFigureOut">
               <a:rPr lang="en-US" smtClean="0"/>
-              <a:t>1/14/2020</a:t>
+              <a:t>2/4/2020</a:t>
             </a:fld>
             <a:endParaRPr lang="en-US"/>
           </a:p>
@@ -32321,7 +32321,7 @@
           <a:p>
             <a:fld id="{5958763E-B898-436D-883D-03711491D54A}" type="datetimeFigureOut">
               <a:rPr lang="en-US" smtClean="0"/>
-              <a:t>1/14/2020</a:t>
+              <a:t>2/4/2020</a:t>
             </a:fld>
             <a:endParaRPr lang="en-US"/>
           </a:p>
@@ -32663,7 +32663,7 @@
           <a:p>
             <a:fld id="{5958763E-B898-436D-883D-03711491D54A}" type="datetimeFigureOut">
               <a:rPr lang="en-US" smtClean="0"/>
-              <a:t>1/14/2020</a:t>
+              <a:t>2/4/2020</a:t>
             </a:fld>
             <a:endParaRPr lang="en-US"/>
           </a:p>
@@ -32900,7 +32900,7 @@
           <a:p>
             <a:fld id="{5958763E-B898-436D-883D-03711491D54A}" type="datetimeFigureOut">
               <a:rPr lang="en-US" smtClean="0"/>
-              <a:t>1/14/2020</a:t>
+              <a:t>2/4/2020</a:t>
             </a:fld>
             <a:endParaRPr lang="en-US"/>
           </a:p>
@@ -33151,7 +33151,7 @@
           <a:p>
             <a:fld id="{5958763E-B898-436D-883D-03711491D54A}" type="datetimeFigureOut">
               <a:rPr lang="en-US" smtClean="0"/>
-              <a:t>1/14/2020</a:t>
+              <a:t>2/4/2020</a:t>
             </a:fld>
             <a:endParaRPr lang="en-US"/>
           </a:p>
@@ -39039,7 +39039,7 @@
         <p:spPr>
           <a:xfrm>
             <a:off x="381000" y="3550544"/>
-            <a:ext cx="3985706" cy="2419124"/>
+            <a:ext cx="5567871" cy="2419124"/>
           </a:xfrm>
           <a:prstGeom prst="rect">
             <a:avLst/>
@@ -39118,13 +39118,22 @@
               <a:t>    </a:t>
             </a:r>
             <a:r>
-              <a:rPr lang="en-US" sz="3200" dirty="0">
+              <a:rPr lang="en-US" sz="3200" dirty="0" smtClean="0">
                 <a:solidFill>
                   <a:srgbClr val="9CDCFE"/>
                 </a:solidFill>
                 <a:latin typeface="Consolas" panose="020B0609020204030204" pitchFamily="49" charset="0"/>
               </a:rPr>
-              <a:t>color:</a:t>
+              <a:t>material</a:t>
+            </a:r>
+            <a:r>
+              <a:rPr lang="en-US" sz="3200" dirty="0" smtClean="0">
+                <a:solidFill>
+                  <a:srgbClr val="9CDCFE"/>
+                </a:solidFill>
+                <a:latin typeface="Consolas" panose="020B0609020204030204" pitchFamily="49" charset="0"/>
+              </a:rPr>
+              <a:t>:</a:t>
             </a:r>
             <a:r>
               <a:rPr lang="en-US" sz="3200" dirty="0">
@@ -39142,7 +39151,7 @@
                 </a:solidFill>
                 <a:latin typeface="Consolas" panose="020B0609020204030204" pitchFamily="49" charset="0"/>
               </a:rPr>
-              <a:t>'red'</a:t>
+              <a:t>'plastic'</a:t>
             </a:r>
             <a:endParaRPr lang="en-US" sz="3200" dirty="0">
               <a:solidFill>
@@ -39319,7 +39328,7 @@
         <p:spPr bwMode="auto">
           <a:xfrm>
             <a:off x="1409700" y="4788681"/>
-            <a:ext cx="1188720" cy="571500"/>
+            <a:ext cx="1826376" cy="571500"/>
           </a:xfrm>
           <a:prstGeom prst="rect">
             <a:avLst/>
@@ -39400,7 +39409,7 @@
         <p:spPr>
           <a:xfrm>
             <a:off x="6324600" y="4230097"/>
-            <a:ext cx="3815788" cy="794064"/>
+            <a:ext cx="4575612" cy="794064"/>
           </a:xfrm>
           <a:prstGeom prst="rect">
             <a:avLst/>
@@ -39430,13 +39439,13 @@
               <a:t>Property: </a:t>
             </a:r>
             <a:r>
-              <a:rPr lang="en-US" sz="3600" dirty="0">
+              <a:rPr lang="en-US" sz="3600" dirty="0" smtClean="0">
                 <a:solidFill>
                   <a:srgbClr val="9CDCFE"/>
                 </a:solidFill>
                 <a:latin typeface="Consolas" panose="020B0609020204030204" pitchFamily="49" charset="0"/>
               </a:rPr>
-              <a:t>color</a:t>
+              <a:t>material</a:t>
             </a:r>
             <a:endParaRPr lang="en-US" sz="3600" dirty="0" smtClean="0">
               <a:solidFill>
@@ -39455,8 +39464,8 @@
         </p:nvSpPr>
         <p:spPr bwMode="auto">
           <a:xfrm>
-            <a:off x="3034046" y="4807731"/>
-            <a:ext cx="1143000" cy="571500"/>
+            <a:off x="3675106" y="4788681"/>
+            <a:ext cx="2077994" cy="571500"/>
           </a:xfrm>
           <a:prstGeom prst="rect">
             <a:avLst/>
@@ -39537,7 +39546,7 @@
         <p:spPr>
           <a:xfrm>
             <a:off x="6324600" y="4884697"/>
-            <a:ext cx="3123484" cy="794064"/>
+            <a:ext cx="4136582" cy="794064"/>
           </a:xfrm>
           <a:prstGeom prst="rect">
             <a:avLst/>
@@ -39573,7 +39582,7 @@
                 </a:solidFill>
                 <a:latin typeface="Consolas" panose="020B0609020204030204" pitchFamily="49" charset="0"/>
               </a:rPr>
-              <a:t>'red'</a:t>
+              <a:t>'plastic'</a:t>
             </a:r>
             <a:endParaRPr lang="en-US" sz="3600" dirty="0">
               <a:solidFill>

--- a/JavaScriptObjects/JavaScriptObjects.pptx
+++ b/JavaScriptObjects/JavaScriptObjects.pptx
@@ -5,7 +5,7 @@
     <p:sldMasterId id="2147483648" r:id="rId1"/>
   </p:sldMasterIdLst>
   <p:notesMasterIdLst>
-    <p:notesMasterId r:id="rId12"/>
+    <p:notesMasterId r:id="rId13"/>
   </p:notesMasterIdLst>
   <p:sldIdLst>
     <p:sldId id="258" r:id="rId2"/>
@@ -18,6 +18,7 @@
     <p:sldId id="288" r:id="rId9"/>
     <p:sldId id="289" r:id="rId10"/>
     <p:sldId id="290" r:id="rId11"/>
+    <p:sldId id="291" r:id="rId12"/>
   </p:sldIdLst>
   <p:sldSz cx="12192000" cy="6858000"/>
   <p:notesSz cx="6858000" cy="9144000"/>
@@ -217,7 +218,7 @@
           <a:p>
             <a:fld id="{19104133-B5B0-4351-8158-4F0E5EB1E2BF}" type="datetimeFigureOut">
               <a:rPr lang="en-US" smtClean="0"/>
-              <a:t>2/4/2020</a:t>
+              <a:t>1/20/2021</a:t>
             </a:fld>
             <a:endParaRPr lang="en-US"/>
           </a:p>
@@ -281,38 +282,37 @@
           <a:p>
             <a:pPr lvl="0"/>
             <a:r>
-              <a:rPr lang="en-US" smtClean="0"/>
+              <a:rPr lang="en-US"/>
               <a:t>Edit Master text styles</a:t>
             </a:r>
           </a:p>
           <a:p>
             <a:pPr lvl="1"/>
             <a:r>
-              <a:rPr lang="en-US" smtClean="0"/>
+              <a:rPr lang="en-US"/>
               <a:t>Second level</a:t>
             </a:r>
           </a:p>
           <a:p>
             <a:pPr lvl="2"/>
             <a:r>
-              <a:rPr lang="en-US" smtClean="0"/>
+              <a:rPr lang="en-US"/>
               <a:t>Third level</a:t>
             </a:r>
           </a:p>
           <a:p>
             <a:pPr lvl="3"/>
             <a:r>
-              <a:rPr lang="en-US" smtClean="0"/>
+              <a:rPr lang="en-US"/>
               <a:t>Fourth level</a:t>
             </a:r>
           </a:p>
           <a:p>
             <a:pPr lvl="4"/>
             <a:r>
-              <a:rPr lang="en-US" smtClean="0"/>
+              <a:rPr lang="en-US"/>
               <a:t>Fifth level</a:t>
             </a:r>
-            <a:endParaRPr lang="en-US"/>
           </a:p>
         </p:txBody>
       </p:sp>
@@ -547,7 +547,7 @@
               <a:defRPr/>
             </a:pPr>
             <a:r>
-              <a:rPr lang="en-US" sz="1200" b="0" i="0" kern="1200" dirty="0" smtClean="0">
+              <a:rPr lang="en-US" sz="1200" b="0" i="0" kern="1200" dirty="0">
                 <a:solidFill>
                   <a:schemeClr val="tx1"/>
                 </a:solidFill>
@@ -559,7 +559,7 @@
               <a:t>Ask</a:t>
             </a:r>
             <a:r>
-              <a:rPr lang="en-US" sz="1200" b="0" i="0" kern="1200" baseline="0" dirty="0" smtClean="0">
+              <a:rPr lang="en-US" sz="1200" b="0" i="0" kern="1200" baseline="0" dirty="0">
                 <a:solidFill>
                   <a:schemeClr val="tx1"/>
                 </a:solidFill>
@@ -672,7 +672,7 @@
               <a:defRPr/>
             </a:pPr>
             <a:r>
-              <a:rPr lang="en-US" sz="1200" b="0" i="0" kern="1200" dirty="0" smtClean="0">
+              <a:rPr lang="en-US" sz="1200" b="0" i="0" kern="1200" dirty="0">
                 <a:solidFill>
                   <a:schemeClr val="tx1"/>
                 </a:solidFill>
@@ -684,7 +684,7 @@
               <a:t>In JavaScript, an </a:t>
             </a:r>
             <a:r>
-              <a:rPr lang="en-US" sz="1200" b="0" i="0" u="sng" kern="1200" dirty="0" smtClean="0">
+              <a:rPr lang="en-US" sz="1200" b="0" i="0" u="sng" kern="1200" dirty="0">
                 <a:solidFill>
                   <a:schemeClr val="tx1"/>
                 </a:solidFill>
@@ -696,7 +696,7 @@
               <a:t>object</a:t>
             </a:r>
             <a:r>
-              <a:rPr lang="en-US" sz="1200" b="0" i="0" kern="1200" dirty="0" smtClean="0">
+              <a:rPr lang="en-US" sz="1200" b="0" i="0" kern="1200" dirty="0">
                 <a:solidFill>
                   <a:schemeClr val="tx1"/>
                 </a:solidFill>
@@ -708,7 +708,7 @@
               <a:t> is a standalone entity, with properties and type. Compare it with a </a:t>
             </a:r>
             <a:r>
-              <a:rPr lang="en-US" sz="1200" b="1" i="0" kern="1200" dirty="0" smtClean="0">
+              <a:rPr lang="en-US" sz="1200" b="1" i="0" kern="1200" dirty="0">
                 <a:solidFill>
                   <a:schemeClr val="tx1"/>
                 </a:solidFill>
@@ -720,7 +720,7 @@
               <a:t>cup</a:t>
             </a:r>
             <a:r>
-              <a:rPr lang="en-US" sz="1200" b="0" i="0" kern="1200" dirty="0" smtClean="0">
+              <a:rPr lang="en-US" sz="1200" b="0" i="0" kern="1200" dirty="0">
                 <a:solidFill>
                   <a:schemeClr val="tx1"/>
                 </a:solidFill>
@@ -731,7 +731,7 @@
               </a:rPr>
               <a:t>, for example. A cup is an object, with properties. A cup has a color, a volume, a material it is made of, etc. The same way, JavaScript objects can have properties, which define their characteristics.</a:t>
             </a:r>
-            <a:endParaRPr lang="en-US" dirty="0" smtClean="0"/>
+            <a:endParaRPr lang="en-US" dirty="0"/>
           </a:p>
           <a:p>
             <a:endParaRPr lang="en-US" dirty="0"/>
@@ -819,105 +819,105 @@
           <a:lstStyle/>
           <a:p>
             <a:r>
-              <a:rPr lang="en-US" dirty="0" smtClean="0"/>
+              <a:rPr lang="en-US" dirty="0"/>
               <a:t>How</a:t>
             </a:r>
             <a:r>
-              <a:rPr lang="en-US" baseline="0" dirty="0" smtClean="0"/>
+              <a:rPr lang="en-US" baseline="0" dirty="0"/>
               <a:t> could we represent the red solo cup in JavaScript?</a:t>
             </a:r>
           </a:p>
           <a:p>
-            <a:endParaRPr lang="en-US" baseline="0" dirty="0" smtClean="0"/>
+            <a:endParaRPr lang="en-US" baseline="0" dirty="0"/>
           </a:p>
           <a:p>
             <a:r>
-              <a:rPr lang="en-US" baseline="0" dirty="0" smtClean="0"/>
+              <a:rPr lang="en-US" baseline="0" dirty="0"/>
               <a:t>An object is just a variable, so we use </a:t>
             </a:r>
             <a:r>
-              <a:rPr lang="en-US" b="1" baseline="0" dirty="0" smtClean="0"/>
+              <a:rPr lang="en-US" b="1" baseline="0" dirty="0"/>
               <a:t>let</a:t>
             </a:r>
             <a:r>
-              <a:rPr lang="en-US" b="0" baseline="0" dirty="0" smtClean="0"/>
+              <a:rPr lang="en-US" b="0" baseline="0" dirty="0"/>
               <a:t> to declare it. Use</a:t>
             </a:r>
             <a:r>
-              <a:rPr lang="en-US" baseline="0" dirty="0" smtClean="0"/>
+              <a:rPr lang="en-US" baseline="0" dirty="0"/>
               <a:t> </a:t>
             </a:r>
             <a:r>
-              <a:rPr lang="en-US" b="1" baseline="0" dirty="0" smtClean="0"/>
+              <a:rPr lang="en-US" b="1" baseline="0" dirty="0"/>
               <a:t>curly brackets</a:t>
             </a:r>
             <a:r>
-              <a:rPr lang="en-US" b="0" baseline="0" dirty="0" smtClean="0"/>
+              <a:rPr lang="en-US" b="0" baseline="0" dirty="0"/>
               <a:t> to surround each property of the object. Use a </a:t>
             </a:r>
             <a:r>
-              <a:rPr lang="en-US" b="1" baseline="0" dirty="0" smtClean="0"/>
+              <a:rPr lang="en-US" b="1" baseline="0" dirty="0"/>
               <a:t>colon</a:t>
             </a:r>
             <a:r>
-              <a:rPr lang="en-US" b="0" baseline="0" dirty="0" smtClean="0"/>
+              <a:rPr lang="en-US" b="0" baseline="0" dirty="0"/>
               <a:t> to attach a value to a property. Use a </a:t>
             </a:r>
             <a:r>
-              <a:rPr lang="en-US" b="1" baseline="0" dirty="0" smtClean="0"/>
+              <a:rPr lang="en-US" b="1" baseline="0" dirty="0"/>
               <a:t>comma</a:t>
             </a:r>
             <a:r>
-              <a:rPr lang="en-US" b="0" baseline="0" dirty="0" smtClean="0"/>
+              <a:rPr lang="en-US" b="0" baseline="0" dirty="0"/>
               <a:t> to separate each property-value.</a:t>
             </a:r>
           </a:p>
           <a:p>
-            <a:endParaRPr lang="en-US" b="0" baseline="0" dirty="0" smtClean="0"/>
+            <a:endParaRPr lang="en-US" b="0" baseline="0" dirty="0"/>
           </a:p>
           <a:p>
             <a:r>
-              <a:rPr lang="en-US" b="1" baseline="0" dirty="0" smtClean="0"/>
+              <a:rPr lang="en-US" b="1" baseline="0" dirty="0"/>
               <a:t>JSON</a:t>
             </a:r>
             <a:r>
-              <a:rPr lang="en-US" b="0" baseline="0" dirty="0" smtClean="0"/>
+              <a:rPr lang="en-US" b="0" baseline="0" dirty="0"/>
               <a:t> stands for </a:t>
             </a:r>
             <a:r>
-              <a:rPr lang="en-US" b="1" baseline="0" dirty="0" smtClean="0"/>
+              <a:rPr lang="en-US" b="1" baseline="0" dirty="0"/>
               <a:t>J</a:t>
             </a:r>
             <a:r>
-              <a:rPr lang="en-US" b="0" baseline="0" dirty="0" smtClean="0"/>
+              <a:rPr lang="en-US" b="0" baseline="0" dirty="0"/>
               <a:t>ava</a:t>
             </a:r>
             <a:r>
-              <a:rPr lang="en-US" b="1" baseline="0" dirty="0" smtClean="0"/>
+              <a:rPr lang="en-US" b="1" baseline="0" dirty="0"/>
               <a:t>S</a:t>
             </a:r>
             <a:r>
-              <a:rPr lang="en-US" b="0" baseline="0" dirty="0" smtClean="0"/>
+              <a:rPr lang="en-US" b="0" baseline="0" dirty="0"/>
               <a:t>cript </a:t>
             </a:r>
             <a:r>
-              <a:rPr lang="en-US" b="1" baseline="0" dirty="0" smtClean="0"/>
+              <a:rPr lang="en-US" b="1" baseline="0" dirty="0"/>
               <a:t>O</a:t>
             </a:r>
             <a:r>
-              <a:rPr lang="en-US" b="0" baseline="0" dirty="0" smtClean="0"/>
+              <a:rPr lang="en-US" b="0" baseline="0" dirty="0"/>
               <a:t>bject </a:t>
             </a:r>
             <a:r>
-              <a:rPr lang="en-US" b="1" baseline="0" dirty="0" smtClean="0"/>
+              <a:rPr lang="en-US" b="1" baseline="0" dirty="0"/>
               <a:t>N</a:t>
             </a:r>
             <a:r>
-              <a:rPr lang="en-US" b="0" baseline="0" dirty="0" smtClean="0"/>
+              <a:rPr lang="en-US" b="0" baseline="0" dirty="0"/>
               <a:t>otation. It is a lightweight data-interchange format based on </a:t>
             </a:r>
             <a:r>
-              <a:rPr lang="en-US" b="0" baseline="0" smtClean="0"/>
+              <a:rPr lang="en-US" b="0" baseline="0"/>
               <a:t>JavaScript objects.</a:t>
             </a:r>
             <a:endParaRPr lang="en-US" b="1" dirty="0"/>
@@ -1005,19 +1005,19 @@
           <a:lstStyle/>
           <a:p>
             <a:r>
-              <a:rPr lang="en-US" dirty="0" smtClean="0"/>
+              <a:rPr lang="en-US" dirty="0"/>
               <a:t>Have a student come up to the board and try to define the</a:t>
             </a:r>
             <a:r>
-              <a:rPr lang="en-US" baseline="0" dirty="0" smtClean="0"/>
+              <a:rPr lang="en-US" baseline="0" dirty="0"/>
               <a:t> </a:t>
             </a:r>
             <a:r>
-              <a:rPr lang="en-US" b="1" baseline="0" dirty="0" smtClean="0"/>
+              <a:rPr lang="en-US" b="1" baseline="0" dirty="0"/>
               <a:t>teacup</a:t>
             </a:r>
             <a:r>
-              <a:rPr lang="en-US" baseline="0" dirty="0" smtClean="0"/>
+              <a:rPr lang="en-US" baseline="0" dirty="0"/>
               <a:t> object. Then, show the answer.</a:t>
             </a:r>
             <a:endParaRPr lang="en-US" dirty="0"/>
@@ -1105,7 +1105,7 @@
           <a:lstStyle/>
           <a:p>
             <a:r>
-              <a:rPr lang="en-US" u="none" dirty="0" smtClean="0"/>
+              <a:rPr lang="en-US" u="none" dirty="0"/>
               <a:t>Let’s talk a little more about properties.</a:t>
             </a:r>
           </a:p>
@@ -1192,7 +1192,7 @@
           <a:lstStyle/>
           <a:p>
             <a:r>
-              <a:rPr lang="en-US" sz="1200" b="0" i="0" kern="1200" dirty="0" smtClean="0">
+              <a:rPr lang="en-US" sz="1200" b="0" i="0" kern="1200" dirty="0">
                 <a:solidFill>
                   <a:schemeClr val="tx1"/>
                 </a:solidFill>
@@ -1204,7 +1204,7 @@
               <a:t>A </a:t>
             </a:r>
             <a:r>
-              <a:rPr lang="en-US" sz="1200" b="0" i="0" u="sng" kern="1200" dirty="0" smtClean="0">
+              <a:rPr lang="en-US" sz="1200" b="0" i="0" u="sng" kern="1200" dirty="0">
                 <a:solidFill>
                   <a:schemeClr val="tx1"/>
                 </a:solidFill>
@@ -1216,7 +1216,7 @@
               <a:t>property</a:t>
             </a:r>
             <a:r>
-              <a:rPr lang="en-US" sz="1200" b="0" i="0" kern="1200" dirty="0" smtClean="0">
+              <a:rPr lang="en-US" sz="1200" b="0" i="0" kern="1200" dirty="0">
                 <a:solidFill>
                   <a:schemeClr val="tx1"/>
                 </a:solidFill>
@@ -1228,7 +1228,7 @@
               <a:t> of an object can be explained as a variable that is attached to the object. Object properties are basically the same as ordinary JavaScript variables, except for the attachment to objects. The properties of an object define the characteristics of the object. Just</a:t>
             </a:r>
             <a:r>
-              <a:rPr lang="en-US" sz="1200" b="0" i="0" kern="1200" baseline="0" dirty="0" smtClean="0">
+              <a:rPr lang="en-US" sz="1200" b="0" i="0" kern="1200" baseline="0" dirty="0">
                 <a:solidFill>
                   <a:schemeClr val="tx1"/>
                 </a:solidFill>
@@ -1241,7 +1241,7 @@
             </a:r>
           </a:p>
           <a:p>
-            <a:endParaRPr lang="en-US" sz="1200" b="0" i="0" kern="1200" baseline="0" dirty="0" smtClean="0">
+            <a:endParaRPr lang="en-US" sz="1200" b="0" i="0" kern="1200" baseline="0" dirty="0">
               <a:solidFill>
                 <a:schemeClr val="tx1"/>
               </a:solidFill>
@@ -1253,7 +1253,7 @@
           </a:p>
           <a:p>
             <a:r>
-              <a:rPr lang="en-US" sz="1200" b="1" i="0" kern="1200" baseline="0" dirty="0" smtClean="0">
+              <a:rPr lang="en-US" sz="1200" b="1" i="0" kern="1200" baseline="0" dirty="0">
                 <a:solidFill>
                   <a:schemeClr val="tx1"/>
                 </a:solidFill>
@@ -1265,7 +1265,7 @@
               <a:t>A value can be anything</a:t>
             </a:r>
             <a:r>
-              <a:rPr lang="en-US" sz="1200" b="0" i="0" kern="1200" baseline="0" dirty="0" smtClean="0">
+              <a:rPr lang="en-US" sz="1200" b="0" i="0" kern="1200" baseline="0" dirty="0">
                 <a:solidFill>
                   <a:schemeClr val="tx1"/>
                 </a:solidFill>
@@ -1277,7 +1277,7 @@
               <a:t>: a string, a number, </a:t>
             </a:r>
             <a:r>
-              <a:rPr lang="en-US" sz="1200" b="1" i="0" kern="1200" baseline="0" dirty="0" smtClean="0">
+              <a:rPr lang="en-US" sz="1200" b="1" i="0" kern="1200" baseline="0" dirty="0">
                 <a:solidFill>
                   <a:schemeClr val="tx1"/>
                 </a:solidFill>
@@ -1289,7 +1289,7 @@
               <a:t>even another object or a function</a:t>
             </a:r>
             <a:r>
-              <a:rPr lang="en-US" sz="1200" b="0" i="0" kern="1200" baseline="0" dirty="0" smtClean="0">
+              <a:rPr lang="en-US" sz="1200" b="0" i="0" kern="1200" baseline="0" dirty="0">
                 <a:solidFill>
                   <a:schemeClr val="tx1"/>
                 </a:solidFill>
@@ -1385,73 +1385,73 @@
           <a:lstStyle/>
           <a:p>
             <a:r>
-              <a:rPr lang="en-US" dirty="0" smtClean="0"/>
+              <a:rPr lang="en-US" dirty="0"/>
               <a:t>If</a:t>
             </a:r>
             <a:r>
-              <a:rPr lang="en-US" baseline="0" dirty="0" smtClean="0"/>
+              <a:rPr lang="en-US" baseline="0" dirty="0"/>
               <a:t> an object exists, you can access the properties attached to it using </a:t>
             </a:r>
             <a:r>
-              <a:rPr lang="en-US" b="1" baseline="0" dirty="0" smtClean="0"/>
+              <a:rPr lang="en-US" b="1" baseline="0" dirty="0"/>
               <a:t>dot notation</a:t>
             </a:r>
             <a:r>
-              <a:rPr lang="en-US" b="0" baseline="0" dirty="0" smtClean="0"/>
+              <a:rPr lang="en-US" b="0" baseline="0" dirty="0"/>
               <a:t>. This means &lt;</a:t>
             </a:r>
             <a:r>
-              <a:rPr lang="en-US" b="0" baseline="0" dirty="0" err="1" smtClean="0"/>
+              <a:rPr lang="en-US" b="0" baseline="0" dirty="0" err="1"/>
               <a:t>object_name</a:t>
             </a:r>
             <a:r>
-              <a:rPr lang="en-US" b="0" baseline="0" dirty="0" smtClean="0"/>
+              <a:rPr lang="en-US" b="0" baseline="0" dirty="0"/>
               <a:t>&gt;</a:t>
             </a:r>
             <a:r>
-              <a:rPr lang="en-US" b="1" baseline="0" dirty="0" smtClean="0"/>
+              <a:rPr lang="en-US" b="1" baseline="0" dirty="0"/>
               <a:t>.</a:t>
             </a:r>
             <a:r>
-              <a:rPr lang="en-US" b="0" baseline="0" dirty="0" smtClean="0"/>
+              <a:rPr lang="en-US" b="0" baseline="0" dirty="0"/>
               <a:t>&lt;</a:t>
             </a:r>
             <a:r>
-              <a:rPr lang="en-US" b="0" baseline="0" dirty="0" err="1" smtClean="0"/>
+              <a:rPr lang="en-US" b="0" baseline="0" dirty="0" err="1"/>
               <a:t>property_name</a:t>
             </a:r>
             <a:r>
-              <a:rPr lang="en-US" b="0" baseline="0" dirty="0" smtClean="0"/>
+              <a:rPr lang="en-US" b="0" baseline="0" dirty="0"/>
               <a:t>&gt;</a:t>
             </a:r>
           </a:p>
           <a:p>
-            <a:endParaRPr lang="en-US" b="0" baseline="0" dirty="0" smtClean="0"/>
+            <a:endParaRPr lang="en-US" b="0" baseline="0" dirty="0"/>
           </a:p>
           <a:p>
             <a:r>
-              <a:rPr lang="en-US" b="0" baseline="0" dirty="0" smtClean="0"/>
+              <a:rPr lang="en-US" b="0" baseline="0" dirty="0"/>
               <a:t>For example, if you wanted to show the user the material for a cup, you could use </a:t>
             </a:r>
             <a:r>
-              <a:rPr lang="en-US" b="1" i="0" baseline="0" dirty="0" smtClean="0"/>
+              <a:rPr lang="en-US" b="1" i="0" baseline="0" dirty="0"/>
               <a:t>teacup DOT material</a:t>
             </a:r>
             <a:r>
-              <a:rPr lang="en-US" b="0" baseline="0" dirty="0" smtClean="0"/>
+              <a:rPr lang="en-US" b="0" baseline="0" dirty="0"/>
               <a:t>.</a:t>
             </a:r>
           </a:p>
           <a:p>
-            <a:endParaRPr lang="en-US" b="0" baseline="0" dirty="0" smtClean="0"/>
+            <a:endParaRPr lang="en-US" b="0" baseline="0" dirty="0"/>
           </a:p>
           <a:p>
             <a:r>
-              <a:rPr lang="en-US" b="1" baseline="0" dirty="0" smtClean="0"/>
+              <a:rPr lang="en-US" b="1" baseline="0" dirty="0"/>
               <a:t>What message will the user see? </a:t>
             </a:r>
             <a:r>
-              <a:rPr lang="en-US" b="0" baseline="0" dirty="0" smtClean="0"/>
+              <a:rPr lang="en-US" b="0" baseline="0" dirty="0"/>
               <a:t>“the teacup is ceramic”</a:t>
             </a:r>
             <a:endParaRPr lang="en-US" b="1" dirty="0"/>
@@ -1539,57 +1539,57 @@
           <a:lstStyle/>
           <a:p>
             <a:r>
-              <a:rPr lang="en-US" dirty="0" smtClean="0"/>
+              <a:rPr lang="en-US" dirty="0"/>
               <a:t>Setting properties uses</a:t>
             </a:r>
             <a:r>
-              <a:rPr lang="en-US" baseline="0" dirty="0" smtClean="0"/>
+              <a:rPr lang="en-US" baseline="0" dirty="0"/>
               <a:t> </a:t>
             </a:r>
             <a:r>
-              <a:rPr lang="en-US" b="1" baseline="0" dirty="0" smtClean="0"/>
+              <a:rPr lang="en-US" b="1" baseline="0" dirty="0"/>
               <a:t>dot notation</a:t>
             </a:r>
             <a:r>
-              <a:rPr lang="en-US" b="0" baseline="0" dirty="0" smtClean="0"/>
+              <a:rPr lang="en-US" b="0" baseline="0" dirty="0"/>
               <a:t> as well.</a:t>
             </a:r>
           </a:p>
           <a:p>
-            <a:endParaRPr lang="en-US" b="0" baseline="0" dirty="0" smtClean="0"/>
+            <a:endParaRPr lang="en-US" b="0" baseline="0" dirty="0"/>
           </a:p>
           <a:p>
             <a:r>
-              <a:rPr lang="en-US" b="0" baseline="0" dirty="0" smtClean="0"/>
+              <a:rPr lang="en-US" b="0" baseline="0" dirty="0"/>
               <a:t>For example, if the user painted the cup to be another color, it is possible to set the </a:t>
             </a:r>
             <a:r>
-              <a:rPr lang="en-US" b="1" baseline="0" dirty="0" smtClean="0"/>
+              <a:rPr lang="en-US" b="1" baseline="0" dirty="0"/>
               <a:t>color</a:t>
             </a:r>
             <a:r>
-              <a:rPr lang="en-US" b="0" baseline="0" dirty="0" smtClean="0"/>
+              <a:rPr lang="en-US" b="0" baseline="0" dirty="0"/>
               <a:t> property using </a:t>
             </a:r>
             <a:r>
-              <a:rPr lang="en-US" b="1" baseline="0" dirty="0" smtClean="0"/>
+              <a:rPr lang="en-US" b="1" baseline="0" dirty="0"/>
               <a:t>teacup DOT color</a:t>
             </a:r>
             <a:r>
-              <a:rPr lang="en-US" b="0" baseline="0" dirty="0" smtClean="0"/>
+              <a:rPr lang="en-US" b="0" baseline="0" dirty="0"/>
               <a:t>.</a:t>
             </a:r>
           </a:p>
           <a:p>
-            <a:endParaRPr lang="en-US" b="0" baseline="0" dirty="0" smtClean="0"/>
+            <a:endParaRPr lang="en-US" b="0" baseline="0" dirty="0"/>
           </a:p>
           <a:p>
             <a:r>
-              <a:rPr lang="en-US" b="1" baseline="0" dirty="0" smtClean="0"/>
+              <a:rPr lang="en-US" b="1" baseline="0" dirty="0"/>
               <a:t>What message will the user see? </a:t>
             </a:r>
             <a:r>
-              <a:rPr lang="en-US" b="0" baseline="0" dirty="0" smtClean="0"/>
+              <a:rPr lang="en-US" b="0" baseline="0" dirty="0"/>
               <a:t>“the teacup is blue”</a:t>
             </a:r>
             <a:endParaRPr lang="en-US" b="1" dirty="0"/>
@@ -1772,15 +1772,7 @@
           <a:p>
             <a:r>
               <a:rPr lang="en-US" dirty="0"/>
-              <a:t>Click to edit Master </a:t>
-            </a:r>
-            <a:r>
-              <a:rPr lang="en-US" dirty="0" smtClean="0"/>
-              <a:t>subtitle </a:t>
-            </a:r>
-            <a:r>
-              <a:rPr lang="en-US" dirty="0"/>
-              <a:t>style</a:t>
+              <a:t>Click to edit Master subtitle style</a:t>
             </a:r>
           </a:p>
         </p:txBody>
@@ -1822,7 +1814,7 @@
             <a:fld id="{1C2D31DE-C454-491C-B5C3-F097855E3DF7}" type="datetime4">
               <a:rPr lang="en-US" smtClean="0"/>
               <a:pPr/>
-              <a:t>February 4, 2020</a:t>
+              <a:t>January 20, 2021</a:t>
             </a:fld>
             <a:endParaRPr lang="en-US" dirty="0"/>
           </a:p>
@@ -4896,17 +4888,16 @@
           <a:p>
             <a:pPr lvl="0"/>
             <a:r>
-              <a:rPr lang="en-US" dirty="0" smtClean="0"/>
+              <a:rPr lang="en-US" dirty="0"/>
               <a:t>Presenter Name</a:t>
             </a:r>
             <a:br>
-              <a:rPr lang="en-US" dirty="0" smtClean="0"/>
+              <a:rPr lang="en-US" dirty="0"/>
             </a:br>
             <a:r>
-              <a:rPr lang="en-US" dirty="0" smtClean="0"/>
+              <a:rPr lang="en-US" dirty="0"/>
               <a:t>Presenter Title</a:t>
             </a:r>
-            <a:endParaRPr lang="en-US" dirty="0"/>
           </a:p>
         </p:txBody>
       </p:sp>
@@ -4923,13 +4914,6 @@
   <p:transition>
     <p:fade/>
   </p:transition>
-  <p:timing>
-    <p:tnLst>
-      <p:par>
-        <p:cTn id="1" dur="indefinite" restart="never" nodeType="tmRoot"/>
-      </p:par>
-    </p:tnLst>
-  </p:timing>
   <p:hf sldNum="0" hdr="0" ftr="0"/>
 </p:sldLayout>
 </file>
@@ -5222,7 +5206,7 @@
           <a:p>
             <a:fld id="{5958763E-B898-436D-883D-03711491D54A}" type="datetimeFigureOut">
               <a:rPr lang="en-US" smtClean="0"/>
-              <a:t>2/4/2020</a:t>
+              <a:t>1/20/2021</a:t>
             </a:fld>
             <a:endParaRPr lang="en-US"/>
           </a:p>
@@ -5295,13 +5279,6 @@
   <p:transition>
     <p:fade/>
   </p:transition>
-  <p:timing>
-    <p:tnLst>
-      <p:par>
-        <p:cTn id="1" dur="indefinite" restart="never" nodeType="tmRoot"/>
-      </p:par>
-    </p:tnLst>
-  </p:timing>
 </p:sldLayout>
 </file>
 
@@ -5350,10 +5327,9 @@
           </a:lstStyle>
           <a:p>
             <a:r>
-              <a:rPr lang="en-US" dirty="0" smtClean="0"/>
+              <a:rPr lang="en-US" dirty="0"/>
               <a:t>Click icon to add picture</a:t>
             </a:r>
-            <a:endParaRPr lang="en-US" dirty="0"/>
           </a:p>
         </p:txBody>
       </p:sp>
@@ -5423,7 +5399,7 @@
           <a:p>
             <a:fld id="{5958763E-B898-436D-883D-03711491D54A}" type="datetimeFigureOut">
               <a:rPr lang="en-US" smtClean="0"/>
-              <a:t>2/4/2020</a:t>
+              <a:t>1/20/2021</a:t>
             </a:fld>
             <a:endParaRPr lang="en-US"/>
           </a:p>
@@ -5496,13 +5472,6 @@
   <p:transition>
     <p:fade/>
   </p:transition>
-  <p:timing>
-    <p:tnLst>
-      <p:par>
-        <p:cTn id="1" dur="indefinite" restart="never" nodeType="tmRoot"/>
-      </p:par>
-    </p:tnLst>
-  </p:timing>
 </p:sldLayout>
 </file>
 
@@ -5680,7 +5649,7 @@
           <a:p>
             <a:fld id="{5958763E-B898-436D-883D-03711491D54A}" type="datetimeFigureOut">
               <a:rPr lang="en-US" smtClean="0"/>
-              <a:t>2/4/2020</a:t>
+              <a:t>1/20/2021</a:t>
             </a:fld>
             <a:endParaRPr lang="en-US"/>
           </a:p>
@@ -5753,13 +5722,6 @@
   <p:transition>
     <p:fade/>
   </p:transition>
-  <p:timing>
-    <p:tnLst>
-      <p:par>
-        <p:cTn id="1" dur="indefinite" restart="never" nodeType="tmRoot"/>
-      </p:par>
-    </p:tnLst>
-  </p:timing>
 </p:sldLayout>
 </file>
 
@@ -6035,7 +5997,7 @@
           <a:p>
             <a:fld id="{5958763E-B898-436D-883D-03711491D54A}" type="datetimeFigureOut">
               <a:rPr lang="en-US" smtClean="0"/>
-              <a:t>2/4/2020</a:t>
+              <a:t>1/20/2021</a:t>
             </a:fld>
             <a:endParaRPr lang="en-US"/>
           </a:p>
@@ -6096,13 +6058,6 @@
   <p:transition>
     <p:fade/>
   </p:transition>
-  <p:timing>
-    <p:tnLst>
-      <p:par>
-        <p:cTn id="1" dur="indefinite" restart="never" nodeType="tmRoot"/>
-      </p:par>
-    </p:tnLst>
-  </p:timing>
 </p:sldLayout>
 </file>
 
@@ -6458,7 +6413,7 @@
           <a:p>
             <a:fld id="{5958763E-B898-436D-883D-03711491D54A}" type="datetimeFigureOut">
               <a:rPr lang="en-US" smtClean="0"/>
-              <a:t>2/4/2020</a:t>
+              <a:t>1/20/2021</a:t>
             </a:fld>
             <a:endParaRPr lang="en-US"/>
           </a:p>
@@ -6519,13 +6474,6 @@
   <p:transition>
     <p:fade/>
   </p:transition>
-  <p:timing>
-    <p:tnLst>
-      <p:par>
-        <p:cTn id="1" dur="indefinite" restart="never" nodeType="tmRoot"/>
-      </p:par>
-    </p:tnLst>
-  </p:timing>
 </p:sldLayout>
 </file>
 
@@ -6966,7 +6914,7 @@
           <a:p>
             <a:fld id="{5958763E-B898-436D-883D-03711491D54A}" type="datetimeFigureOut">
               <a:rPr lang="en-US" smtClean="0"/>
-              <a:t>2/4/2020</a:t>
+              <a:t>1/20/2021</a:t>
             </a:fld>
             <a:endParaRPr lang="en-US"/>
           </a:p>
@@ -7027,13 +6975,6 @@
   <p:transition>
     <p:fade/>
   </p:transition>
-  <p:timing>
-    <p:tnLst>
-      <p:par>
-        <p:cTn id="1" dur="indefinite" restart="never" nodeType="tmRoot"/>
-      </p:par>
-    </p:tnLst>
-  </p:timing>
 </p:sldLayout>
 </file>
 
@@ -7424,7 +7365,7 @@
           <a:p>
             <a:fld id="{5958763E-B898-436D-883D-03711491D54A}" type="datetimeFigureOut">
               <a:rPr lang="en-US" smtClean="0"/>
-              <a:t>2/4/2020</a:t>
+              <a:t>1/20/2021</a:t>
             </a:fld>
             <a:endParaRPr lang="en-US"/>
           </a:p>
@@ -7485,13 +7426,6 @@
   <p:transition>
     <p:fade/>
   </p:transition>
-  <p:timing>
-    <p:tnLst>
-      <p:par>
-        <p:cTn id="1" dur="indefinite" restart="never" nodeType="tmRoot"/>
-      </p:par>
-    </p:tnLst>
-  </p:timing>
 </p:sldLayout>
 </file>
 
@@ -8042,7 +7976,7 @@
           <a:p>
             <a:fld id="{5958763E-B898-436D-883D-03711491D54A}" type="datetimeFigureOut">
               <a:rPr lang="en-US" smtClean="0"/>
-              <a:t>2/4/2020</a:t>
+              <a:t>1/20/2021</a:t>
             </a:fld>
             <a:endParaRPr lang="en-US"/>
           </a:p>
@@ -8103,13 +8037,6 @@
   <p:transition>
     <p:fade/>
   </p:transition>
-  <p:timing>
-    <p:tnLst>
-      <p:par>
-        <p:cTn id="1" dur="indefinite" restart="never" nodeType="tmRoot"/>
-      </p:par>
-    </p:tnLst>
-  </p:timing>
 </p:sldLayout>
 </file>
 
@@ -8820,7 +8747,7 @@
           <a:p>
             <a:fld id="{5958763E-B898-436D-883D-03711491D54A}" type="datetimeFigureOut">
               <a:rPr lang="en-US" smtClean="0"/>
-              <a:t>2/4/2020</a:t>
+              <a:t>1/20/2021</a:t>
             </a:fld>
             <a:endParaRPr lang="en-US"/>
           </a:p>
@@ -8881,13 +8808,6 @@
   <p:transition>
     <p:fade/>
   </p:transition>
-  <p:timing>
-    <p:tnLst>
-      <p:par>
-        <p:cTn id="1" dur="indefinite" restart="never" nodeType="tmRoot"/>
-      </p:par>
-    </p:tnLst>
-  </p:timing>
 </p:sldLayout>
 </file>
 
@@ -8931,7 +8851,7 @@
           <a:p>
             <a:fld id="{5958763E-B898-436D-883D-03711491D54A}" type="datetimeFigureOut">
               <a:rPr lang="en-US" smtClean="0"/>
-              <a:t>2/4/2020</a:t>
+              <a:t>1/20/2021</a:t>
             </a:fld>
             <a:endParaRPr lang="en-US"/>
           </a:p>
@@ -9004,13 +8924,6 @@
   <p:transition>
     <p:fade/>
   </p:transition>
-  <p:timing>
-    <p:tnLst>
-      <p:par>
-        <p:cTn id="1" dur="indefinite" restart="never" nodeType="tmRoot"/>
-      </p:par>
-    </p:tnLst>
-  </p:timing>
 </p:sldLayout>
 </file>
 
@@ -9090,7 +9003,7 @@
                 <a:spcPct val="0"/>
               </a:spcAft>
             </a:pPr>
-            <a:endParaRPr lang="en-US" sz="2400" dirty="0" err="1" smtClean="0">
+            <a:endParaRPr lang="en-US" sz="2400" dirty="0" err="1">
               <a:gradFill>
                 <a:gsLst>
                   <a:gs pos="0">
@@ -9223,15 +9136,7 @@
           <a:p>
             <a:r>
               <a:rPr lang="en-US" dirty="0"/>
-              <a:t>Click to edit Master </a:t>
-            </a:r>
-            <a:r>
-              <a:rPr lang="en-US" dirty="0" smtClean="0"/>
-              <a:t>subtitle </a:t>
-            </a:r>
-            <a:r>
-              <a:rPr lang="en-US" dirty="0"/>
-              <a:t>style</a:t>
+              <a:t>Click to edit Master subtitle style</a:t>
             </a:r>
           </a:p>
         </p:txBody>
@@ -9273,7 +9178,7 @@
             <a:fld id="{1C2D31DE-C454-491C-B5C3-F097855E3DF7}" type="datetime4">
               <a:rPr lang="en-US" smtClean="0"/>
               <a:pPr/>
-              <a:t>February 4, 2020</a:t>
+              <a:t>January 20, 2021</a:t>
             </a:fld>
             <a:endParaRPr lang="en-US" dirty="0"/>
           </a:p>
@@ -12347,17 +12252,16 @@
           <a:p>
             <a:pPr lvl="0"/>
             <a:r>
-              <a:rPr lang="en-US" dirty="0" smtClean="0"/>
+              <a:rPr lang="en-US" dirty="0"/>
               <a:t>Presenter Name</a:t>
             </a:r>
             <a:br>
-              <a:rPr lang="en-US" dirty="0" smtClean="0"/>
+              <a:rPr lang="en-US" dirty="0"/>
             </a:br>
             <a:r>
-              <a:rPr lang="en-US" dirty="0" smtClean="0"/>
+              <a:rPr lang="en-US" dirty="0"/>
               <a:t>Presenter Title</a:t>
             </a:r>
-            <a:endParaRPr lang="en-US" dirty="0"/>
           </a:p>
         </p:txBody>
       </p:sp>
@@ -12374,13 +12278,6 @@
   <p:transition>
     <p:fade/>
   </p:transition>
-  <p:timing>
-    <p:tnLst>
-      <p:par>
-        <p:cTn id="1" dur="indefinite" restart="never" nodeType="tmRoot"/>
-      </p:par>
-    </p:tnLst>
-  </p:timing>
   <p:hf sldNum="0" hdr="0" ftr="0"/>
 </p:sldLayout>
 </file>
@@ -12433,7 +12330,7 @@
           <a:p>
             <a:fld id="{5958763E-B898-436D-883D-03711491D54A}" type="datetimeFigureOut">
               <a:rPr lang="en-US" smtClean="0"/>
-              <a:t>2/4/2020</a:t>
+              <a:t>1/20/2021</a:t>
             </a:fld>
             <a:endParaRPr lang="en-US"/>
           </a:p>
@@ -12506,13 +12403,6 @@
   <p:transition>
     <p:fade/>
   </p:transition>
-  <p:timing>
-    <p:tnLst>
-      <p:par>
-        <p:cTn id="1" dur="indefinite" restart="never" nodeType="tmRoot"/>
-      </p:par>
-    </p:tnLst>
-  </p:timing>
 </p:sldLayout>
 </file>
 
@@ -12564,7 +12454,7 @@
           <a:p>
             <a:fld id="{5958763E-B898-436D-883D-03711491D54A}" type="datetimeFigureOut">
               <a:rPr lang="en-US" smtClean="0"/>
-              <a:t>2/4/2020</a:t>
+              <a:t>1/20/2021</a:t>
             </a:fld>
             <a:endParaRPr lang="en-US"/>
           </a:p>
@@ -12637,13 +12527,6 @@
   <p:transition>
     <p:fade/>
   </p:transition>
-  <p:timing>
-    <p:tnLst>
-      <p:par>
-        <p:cTn id="1" dur="indefinite" restart="never" nodeType="tmRoot"/>
-      </p:par>
-    </p:tnLst>
-  </p:timing>
 </p:sldLayout>
 </file>
 
@@ -12695,7 +12578,7 @@
           <a:p>
             <a:fld id="{5958763E-B898-436D-883D-03711491D54A}" type="datetimeFigureOut">
               <a:rPr lang="en-US" smtClean="0"/>
-              <a:t>2/4/2020</a:t>
+              <a:t>1/20/2021</a:t>
             </a:fld>
             <a:endParaRPr lang="en-US"/>
           </a:p>
@@ -12768,13 +12651,6 @@
   <p:transition>
     <p:fade/>
   </p:transition>
-  <p:timing>
-    <p:tnLst>
-      <p:par>
-        <p:cTn id="1" dur="indefinite" restart="never" nodeType="tmRoot"/>
-      </p:par>
-    </p:tnLst>
-  </p:timing>
 </p:sldLayout>
 </file>
 
@@ -12826,7 +12702,7 @@
           <a:p>
             <a:fld id="{5958763E-B898-436D-883D-03711491D54A}" type="datetimeFigureOut">
               <a:rPr lang="en-US" smtClean="0"/>
-              <a:t>2/4/2020</a:t>
+              <a:t>1/20/2021</a:t>
             </a:fld>
             <a:endParaRPr lang="en-US"/>
           </a:p>
@@ -12899,13 +12775,6 @@
   <p:transition>
     <p:fade/>
   </p:transition>
-  <p:timing>
-    <p:tnLst>
-      <p:par>
-        <p:cTn id="1" dur="indefinite" restart="never" nodeType="tmRoot"/>
-      </p:par>
-    </p:tnLst>
-  </p:timing>
 </p:sldLayout>
 </file>
 
@@ -12957,7 +12826,7 @@
           <a:p>
             <a:fld id="{5958763E-B898-436D-883D-03711491D54A}" type="datetimeFigureOut">
               <a:rPr lang="en-US" smtClean="0"/>
-              <a:t>2/4/2020</a:t>
+              <a:t>1/20/2021</a:t>
             </a:fld>
             <a:endParaRPr lang="en-US"/>
           </a:p>
@@ -13030,13 +12899,6 @@
   <p:transition>
     <p:fade/>
   </p:transition>
-  <p:timing>
-    <p:tnLst>
-      <p:par>
-        <p:cTn id="1" dur="indefinite" restart="never" nodeType="tmRoot"/>
-      </p:par>
-    </p:tnLst>
-  </p:timing>
 </p:sldLayout>
 </file>
 
@@ -13088,7 +12950,7 @@
           <a:p>
             <a:fld id="{5958763E-B898-436D-883D-03711491D54A}" type="datetimeFigureOut">
               <a:rPr lang="en-US" smtClean="0"/>
-              <a:t>2/4/2020</a:t>
+              <a:t>1/20/2021</a:t>
             </a:fld>
             <a:endParaRPr lang="en-US"/>
           </a:p>
@@ -13161,13 +13023,6 @@
   <p:transition>
     <p:fade/>
   </p:transition>
-  <p:timing>
-    <p:tnLst>
-      <p:par>
-        <p:cTn id="1" dur="indefinite" restart="never" nodeType="tmRoot"/>
-      </p:par>
-    </p:tnLst>
-  </p:timing>
 </p:sldLayout>
 </file>
 
@@ -13219,7 +13074,7 @@
           <a:p>
             <a:fld id="{5958763E-B898-436D-883D-03711491D54A}" type="datetimeFigureOut">
               <a:rPr lang="en-US" smtClean="0"/>
-              <a:t>2/4/2020</a:t>
+              <a:t>1/20/2021</a:t>
             </a:fld>
             <a:endParaRPr lang="en-US"/>
           </a:p>
@@ -13292,13 +13147,6 @@
   <p:transition>
     <p:fade/>
   </p:transition>
-  <p:timing>
-    <p:tnLst>
-      <p:par>
-        <p:cTn id="1" dur="indefinite" restart="never" nodeType="tmRoot"/>
-      </p:par>
-    </p:tnLst>
-  </p:timing>
 </p:sldLayout>
 </file>
 
@@ -13350,7 +13198,7 @@
           <a:p>
             <a:fld id="{5958763E-B898-436D-883D-03711491D54A}" type="datetimeFigureOut">
               <a:rPr lang="en-US" smtClean="0"/>
-              <a:t>2/4/2020</a:t>
+              <a:t>1/20/2021</a:t>
             </a:fld>
             <a:endParaRPr lang="en-US"/>
           </a:p>
@@ -13423,13 +13271,6 @@
   <p:transition>
     <p:fade/>
   </p:transition>
-  <p:timing>
-    <p:tnLst>
-      <p:par>
-        <p:cTn id="1" dur="indefinite" restart="never" nodeType="tmRoot"/>
-      </p:par>
-    </p:tnLst>
-  </p:timing>
 </p:sldLayout>
 </file>
 
@@ -13490,7 +13331,7 @@
           <a:p>
             <a:fld id="{5958763E-B898-436D-883D-03711491D54A}" type="datetimeFigureOut">
               <a:rPr lang="en-US" smtClean="0"/>
-              <a:t>2/4/2020</a:t>
+              <a:t>1/20/2021</a:t>
             </a:fld>
             <a:endParaRPr lang="en-US"/>
           </a:p>
@@ -13563,13 +13404,6 @@
   <p:transition>
     <p:fade/>
   </p:transition>
-  <p:timing>
-    <p:tnLst>
-      <p:par>
-        <p:cTn id="1" dur="indefinite" restart="never" nodeType="tmRoot"/>
-      </p:par>
-    </p:tnLst>
-  </p:timing>
 </p:sldLayout>
 </file>
 
@@ -16571,13 +16405,6 @@
   <p:transition>
     <p:fade/>
   </p:transition>
-  <p:timing>
-    <p:tnLst>
-      <p:par>
-        <p:cTn id="1" dur="indefinite" restart="never" nodeType="tmRoot"/>
-      </p:par>
-    </p:tnLst>
-  </p:timing>
 </p:sldLayout>
 </file>
 
@@ -16665,7 +16492,7 @@
                 <a:spcPct val="0"/>
               </a:spcAft>
             </a:pPr>
-            <a:endParaRPr lang="en-US" sz="2400" dirty="0" err="1" smtClean="0">
+            <a:endParaRPr lang="en-US" sz="2400" dirty="0" err="1">
               <a:gradFill>
                 <a:gsLst>
                   <a:gs pos="0">
@@ -16801,15 +16628,7 @@
           <a:p>
             <a:r>
               <a:rPr lang="en-US" dirty="0"/>
-              <a:t>Click to edit Master </a:t>
-            </a:r>
-            <a:r>
-              <a:rPr lang="en-US" dirty="0" smtClean="0"/>
-              <a:t>subtitle </a:t>
-            </a:r>
-            <a:r>
-              <a:rPr lang="en-US" dirty="0"/>
-              <a:t>style</a:t>
+              <a:t>Click to edit Master subtitle style</a:t>
             </a:r>
           </a:p>
         </p:txBody>
@@ -16851,7 +16670,7 @@
             <a:fld id="{1C2D31DE-C454-491C-B5C3-F097855E3DF7}" type="datetime4">
               <a:rPr lang="en-US" smtClean="0"/>
               <a:pPr/>
-              <a:t>February 4, 2020</a:t>
+              <a:t>January 20, 2021</a:t>
             </a:fld>
             <a:endParaRPr lang="en-US" dirty="0"/>
           </a:p>
@@ -19933,17 +19752,16 @@
           <a:p>
             <a:pPr lvl="0"/>
             <a:r>
-              <a:rPr lang="en-US" dirty="0" smtClean="0"/>
+              <a:rPr lang="en-US" dirty="0"/>
               <a:t>Presenter Name</a:t>
             </a:r>
             <a:br>
-              <a:rPr lang="en-US" dirty="0" smtClean="0"/>
+              <a:rPr lang="en-US" dirty="0"/>
             </a:br>
             <a:r>
-              <a:rPr lang="en-US" dirty="0" smtClean="0"/>
+              <a:rPr lang="en-US" dirty="0"/>
               <a:t>Presenter Title</a:t>
             </a:r>
-            <a:endParaRPr lang="en-US" dirty="0"/>
           </a:p>
         </p:txBody>
       </p:sp>
@@ -19960,13 +19778,6 @@
   <p:transition>
     <p:fade/>
   </p:transition>
-  <p:timing>
-    <p:tnLst>
-      <p:par>
-        <p:cTn id="1" dur="indefinite" restart="never" nodeType="tmRoot"/>
-      </p:par>
-    </p:tnLst>
-  </p:timing>
   <p:hf sldNum="0" hdr="0" ftr="0"/>
 </p:sldLayout>
 </file>
@@ -27476,10 +27287,9 @@
           <a:p>
             <a:pPr lvl="0"/>
             <a:r>
-              <a:rPr lang="en-US" dirty="0" smtClean="0"/>
+              <a:rPr lang="en-US" dirty="0"/>
               <a:t>&lt;Call to action&gt;</a:t>
             </a:r>
-            <a:endParaRPr lang="en-US" dirty="0"/>
           </a:p>
         </p:txBody>
       </p:sp>
@@ -29096,7 +28906,7 @@
           <a:p>
             <a:fld id="{5958763E-B898-436D-883D-03711491D54A}" type="datetimeFigureOut">
               <a:rPr lang="en-US" smtClean="0"/>
-              <a:t>2/4/2020</a:t>
+              <a:t>1/20/2021</a:t>
             </a:fld>
             <a:endParaRPr lang="en-US"/>
           </a:p>
@@ -29223,7 +29033,7 @@
                 <a:spcPct val="0"/>
               </a:spcAft>
             </a:pPr>
-            <a:endParaRPr lang="en-US" sz="2400" dirty="0" err="1" smtClean="0">
+            <a:endParaRPr lang="en-US" sz="2400" dirty="0" err="1">
               <a:gradFill>
                 <a:gsLst>
                   <a:gs pos="0">
@@ -29254,13 +29064,6 @@
   <p:transition>
     <p:fade/>
   </p:transition>
-  <p:timing>
-    <p:tnLst>
-      <p:par>
-        <p:cTn id="1" dur="indefinite" restart="never" nodeType="tmRoot"/>
-      </p:par>
-    </p:tnLst>
-  </p:timing>
 </p:sldLayout>
 </file>
 
@@ -29505,7 +29308,7 @@
           <a:p>
             <a:fld id="{5958763E-B898-436D-883D-03711491D54A}" type="datetimeFigureOut">
               <a:rPr lang="en-US" smtClean="0"/>
-              <a:t>2/4/2020</a:t>
+              <a:t>1/20/2021</a:t>
             </a:fld>
             <a:endParaRPr lang="en-US"/>
           </a:p>
@@ -29578,13 +29381,6 @@
   <p:transition>
     <p:fade/>
   </p:transition>
-  <p:timing>
-    <p:tnLst>
-      <p:par>
-        <p:cTn id="1" dur="indefinite" restart="never" nodeType="tmRoot"/>
-      </p:par>
-    </p:tnLst>
-  </p:timing>
 </p:sldLayout>
 </file>
 
@@ -29806,7 +29602,7 @@
           <a:p>
             <a:fld id="{5958763E-B898-436D-883D-03711491D54A}" type="datetimeFigureOut">
               <a:rPr lang="en-US" smtClean="0"/>
-              <a:t>2/4/2020</a:t>
+              <a:t>1/20/2021</a:t>
             </a:fld>
             <a:endParaRPr lang="en-US"/>
           </a:p>
@@ -29879,13 +29675,6 @@
   <p:transition>
     <p:fade/>
   </p:transition>
-  <p:timing>
-    <p:tnLst>
-      <p:par>
-        <p:cTn id="1" dur="indefinite" restart="never" nodeType="tmRoot"/>
-      </p:par>
-    </p:tnLst>
-  </p:timing>
 </p:sldLayout>
 </file>
 
@@ -30014,7 +29803,7 @@
           <a:p>
             <a:fld id="{5958763E-B898-436D-883D-03711491D54A}" type="datetimeFigureOut">
               <a:rPr lang="en-US" smtClean="0"/>
-              <a:t>2/4/2020</a:t>
+              <a:t>1/20/2021</a:t>
             </a:fld>
             <a:endParaRPr lang="en-US"/>
           </a:p>
@@ -30137,13 +29926,6 @@
   <p:transition>
     <p:fade/>
   </p:transition>
-  <p:timing>
-    <p:tnLst>
-      <p:par>
-        <p:cTn id="1" dur="indefinite" restart="never" nodeType="tmRoot"/>
-      </p:par>
-    </p:tnLst>
-  </p:timing>
 </p:sldLayout>
 </file>
 
@@ -30282,7 +30064,7 @@
           <a:p>
             <a:fld id="{5958763E-B898-436D-883D-03711491D54A}" type="datetimeFigureOut">
               <a:rPr lang="en-US" smtClean="0"/>
-              <a:t>2/4/2020</a:t>
+              <a:t>1/20/2021</a:t>
             </a:fld>
             <a:endParaRPr lang="en-US"/>
           </a:p>
@@ -30409,13 +30191,6 @@
   <p:transition>
     <p:fade/>
   </p:transition>
-  <p:timing>
-    <p:tnLst>
-      <p:par>
-        <p:cTn id="1" dur="indefinite" restart="never" nodeType="tmRoot"/>
-      </p:par>
-    </p:tnLst>
-  </p:timing>
 </p:sldLayout>
 </file>
 
@@ -30577,7 +30352,7 @@
                 <a:spcPct val="0"/>
               </a:spcAft>
             </a:pPr>
-            <a:endParaRPr lang="en-US" sz="2400" dirty="0" err="1" smtClean="0">
+            <a:endParaRPr lang="en-US" sz="2400" dirty="0" err="1">
               <a:gradFill>
                 <a:gsLst>
                   <a:gs pos="0">
@@ -30628,10 +30403,9 @@
           </a:lstStyle>
           <a:p>
             <a:r>
-              <a:rPr lang="en-US" dirty="0" smtClean="0"/>
+              <a:rPr lang="en-US" dirty="0"/>
               <a:t>Type “Agenda”</a:t>
             </a:r>
-            <a:endParaRPr lang="en-US" dirty="0"/>
           </a:p>
         </p:txBody>
       </p:sp>
@@ -30755,24 +30529,23 @@
           <a:p>
             <a:pPr lvl="0"/>
             <a:r>
-              <a:rPr lang="en-US" dirty="0" smtClean="0"/>
+              <a:rPr lang="en-US" dirty="0"/>
               <a:t>Item 1</a:t>
             </a:r>
           </a:p>
           <a:p>
             <a:pPr lvl="0"/>
             <a:r>
-              <a:rPr lang="en-US" dirty="0" smtClean="0"/>
+              <a:rPr lang="en-US" dirty="0"/>
               <a:t>Item 2</a:t>
             </a:r>
           </a:p>
           <a:p>
             <a:pPr lvl="0"/>
             <a:r>
-              <a:rPr lang="en-US" dirty="0" smtClean="0"/>
+              <a:rPr lang="en-US" dirty="0"/>
               <a:t>Item 3</a:t>
             </a:r>
-            <a:endParaRPr lang="en-US" dirty="0"/>
           </a:p>
         </p:txBody>
       </p:sp>
@@ -30799,7 +30572,7 @@
           <a:p>
             <a:fld id="{5958763E-B898-436D-883D-03711491D54A}" type="datetimeFigureOut">
               <a:rPr lang="en-US" smtClean="0"/>
-              <a:t>2/4/2020</a:t>
+              <a:t>1/20/2021</a:t>
             </a:fld>
             <a:endParaRPr lang="en-US"/>
           </a:p>
@@ -30906,13 +30679,6 @@
   <p:transition>
     <p:fade/>
   </p:transition>
-  <p:timing>
-    <p:tnLst>
-      <p:par>
-        <p:cTn id="1" dur="indefinite" restart="never" nodeType="tmRoot"/>
-      </p:par>
-    </p:tnLst>
-  </p:timing>
 </p:sldLayout>
 </file>
 
@@ -31074,7 +30840,7 @@
                 <a:spcPct val="0"/>
               </a:spcAft>
             </a:pPr>
-            <a:endParaRPr lang="en-US" sz="2400" dirty="0" err="1" smtClean="0">
+            <a:endParaRPr lang="en-US" sz="2400" dirty="0" err="1">
               <a:gradFill>
                 <a:gsLst>
                   <a:gs pos="0">
@@ -31127,10 +30893,9 @@
           </a:lstStyle>
           <a:p>
             <a:r>
-              <a:rPr lang="en-US" dirty="0" smtClean="0"/>
+              <a:rPr lang="en-US" dirty="0"/>
               <a:t>Notable Quote</a:t>
             </a:r>
-            <a:endParaRPr lang="en-US" dirty="0"/>
           </a:p>
         </p:txBody>
       </p:sp>
@@ -31257,10 +31022,9 @@
           <a:p>
             <a:pPr lvl="0"/>
             <a:r>
-              <a:rPr lang="en-US" dirty="0" smtClean="0"/>
+              <a:rPr lang="en-US" dirty="0"/>
               <a:t>– Attribution</a:t>
             </a:r>
-            <a:endParaRPr lang="en-US" dirty="0"/>
           </a:p>
         </p:txBody>
       </p:sp>
@@ -31287,7 +31051,7 @@
           <a:p>
             <a:fld id="{5958763E-B898-436D-883D-03711491D54A}" type="datetimeFigureOut">
               <a:rPr lang="en-US" smtClean="0"/>
-              <a:t>2/4/2020</a:t>
+              <a:t>1/20/2021</a:t>
             </a:fld>
             <a:endParaRPr lang="en-US"/>
           </a:p>
@@ -32035,13 +31799,6 @@
   <p:transition>
     <p:fade/>
   </p:transition>
-  <p:timing>
-    <p:tnLst>
-      <p:par>
-        <p:cTn id="1" dur="indefinite" restart="never" nodeType="tmRoot"/>
-      </p:par>
-    </p:tnLst>
-  </p:timing>
 </p:sldLayout>
 </file>
 
@@ -32113,7 +31870,7 @@
           <a:p>
             <a:fld id="{5958763E-B898-436D-883D-03711491D54A}" type="datetimeFigureOut">
               <a:rPr lang="en-US" smtClean="0"/>
-              <a:t>2/4/2020</a:t>
+              <a:t>1/20/2021</a:t>
             </a:fld>
             <a:endParaRPr lang="en-US"/>
           </a:p>
@@ -32186,13 +31943,6 @@
   <p:transition>
     <p:fade/>
   </p:transition>
-  <p:timing>
-    <p:tnLst>
-      <p:par>
-        <p:cTn id="1" dur="indefinite" restart="never" nodeType="tmRoot"/>
-      </p:par>
-    </p:tnLst>
-  </p:timing>
 </p:sldLayout>
 </file>
 
@@ -32321,7 +32071,7 @@
           <a:p>
             <a:fld id="{5958763E-B898-436D-883D-03711491D54A}" type="datetimeFigureOut">
               <a:rPr lang="en-US" smtClean="0"/>
-              <a:t>2/4/2020</a:t>
+              <a:t>1/20/2021</a:t>
             </a:fld>
             <a:endParaRPr lang="en-US"/>
           </a:p>
@@ -32444,13 +32194,6 @@
   <p:transition>
     <p:fade/>
   </p:transition>
-  <p:timing>
-    <p:tnLst>
-      <p:par>
-        <p:cTn id="1" dur="indefinite" restart="never" nodeType="tmRoot"/>
-      </p:par>
-    </p:tnLst>
-  </p:timing>
 </p:sldLayout>
 </file>
 
@@ -32663,7 +32406,7 @@
           <a:p>
             <a:fld id="{5958763E-B898-436D-883D-03711491D54A}" type="datetimeFigureOut">
               <a:rPr lang="en-US" smtClean="0"/>
-              <a:t>2/4/2020</a:t>
+              <a:t>1/20/2021</a:t>
             </a:fld>
             <a:endParaRPr lang="en-US"/>
           </a:p>
@@ -32736,13 +32479,6 @@
   <p:transition>
     <p:fade/>
   </p:transition>
-  <p:timing>
-    <p:tnLst>
-      <p:par>
-        <p:cTn id="1" dur="indefinite" restart="never" nodeType="tmRoot"/>
-      </p:par>
-    </p:tnLst>
-  </p:timing>
 </p:sldLayout>
 </file>
 
@@ -32900,7 +32636,7 @@
           <a:p>
             <a:fld id="{5958763E-B898-436D-883D-03711491D54A}" type="datetimeFigureOut">
               <a:rPr lang="en-US" smtClean="0"/>
-              <a:t>2/4/2020</a:t>
+              <a:t>1/20/2021</a:t>
             </a:fld>
             <a:endParaRPr lang="en-US"/>
           </a:p>
@@ -32973,13 +32709,6 @@
   <p:transition>
     <p:fade/>
   </p:transition>
-  <p:timing>
-    <p:tnLst>
-      <p:par>
-        <p:cTn id="1" dur="indefinite" restart="never" nodeType="tmRoot"/>
-      </p:par>
-    </p:tnLst>
-  </p:timing>
 </p:sldLayout>
 </file>
 
@@ -33151,7 +32880,7 @@
           <a:p>
             <a:fld id="{5958763E-B898-436D-883D-03711491D54A}" type="datetimeFigureOut">
               <a:rPr lang="en-US" smtClean="0"/>
-              <a:t>2/4/2020</a:t>
+              <a:t>1/20/2021</a:t>
             </a:fld>
             <a:endParaRPr lang="en-US"/>
           </a:p>
@@ -33297,13 +33026,6 @@
   <p:transition>
     <p:fade/>
   </p:transition>
-  <p:timing>
-    <p:tnLst>
-      <p:par>
-        <p:cTn id="1" dur="indefinite" restart="never" nodeType="tmRoot"/>
-      </p:par>
-    </p:tnLst>
-  </p:timing>
   <p:txStyles>
     <p:titleStyle>
       <a:lvl1pPr algn="l" defTabSz="914400" rtl="0" eaLnBrk="1" latinLnBrk="0" hangingPunct="1">
@@ -33608,7 +33330,7 @@
       </a:lvl9pPr>
     </p:otherStyle>
   </p:txStyles>
-  <p:extLst mod="1">
+  <p:extLst>
     <p:ext uri="{27BBF7A9-308A-43DC-89C8-2F10F3537804}">
       <p15:sldGuideLst xmlns:p15="http://schemas.microsoft.com/office/powerpoint/2012/main">
         <p15:guide id="1" orient="horz" pos="2160" userDrawn="1">
@@ -33687,10 +33409,9 @@
           <a:lstStyle/>
           <a:p>
             <a:r>
-              <a:rPr lang="en-US" sz="6600" dirty="0" smtClean="0"/>
+              <a:rPr lang="en-US" sz="6600" dirty="0"/>
               <a:t>JavaScript Objects</a:t>
             </a:r>
-            <a:endParaRPr lang="en-US" sz="6600" dirty="0"/>
           </a:p>
         </p:txBody>
       </p:sp>
@@ -33715,10 +33436,9 @@
           <a:lstStyle/>
           <a:p>
             <a:r>
-              <a:rPr lang="en-US" dirty="0" smtClean="0"/>
+              <a:rPr lang="en-US" dirty="0"/>
               <a:t>Hy-Tech Club: Web 201</a:t>
             </a:r>
-            <a:endParaRPr lang="en-US" dirty="0"/>
           </a:p>
         </p:txBody>
       </p:sp>
@@ -36703,13 +36423,6 @@
   <p:transition>
     <p:fade/>
   </p:transition>
-  <p:timing>
-    <p:tnLst>
-      <p:par>
-        <p:cTn id="1" dur="indefinite" restart="never" nodeType="tmRoot"/>
-      </p:par>
-    </p:tnLst>
-  </p:timing>
 </p:sld>
 </file>
 
@@ -36746,10 +36459,9 @@
           <a:lstStyle/>
           <a:p>
             <a:r>
-              <a:rPr lang="en-US" dirty="0" smtClean="0"/>
+              <a:rPr lang="en-US" dirty="0"/>
               <a:t>Setting a Property</a:t>
             </a:r>
-            <a:endParaRPr lang="en-US" dirty="0"/>
           </a:p>
         </p:txBody>
       </p:sp>
@@ -36786,22 +36498,13 @@
               <a:t> to </a:t>
             </a:r>
             <a:r>
-              <a:rPr lang="en-US" i="1" dirty="0" smtClean="0"/>
+              <a:rPr lang="en-US" i="1" dirty="0"/>
               <a:t>set</a:t>
             </a:r>
             <a:r>
-              <a:rPr lang="en-US" dirty="0" smtClean="0"/>
-              <a:t> </a:t>
+              <a:rPr lang="en-US" dirty="0"/>
+              <a:t> a property value from an object too!</a:t>
             </a:r>
-            <a:r>
-              <a:rPr lang="en-US" dirty="0"/>
-              <a:t>a property value from an </a:t>
-            </a:r>
-            <a:r>
-              <a:rPr lang="en-US" dirty="0" smtClean="0"/>
-              <a:t>object too!</a:t>
-            </a:r>
-            <a:endParaRPr lang="en-US" dirty="0"/>
           </a:p>
           <a:p>
             <a:pPr lvl="1"/>
@@ -36818,7 +36521,7 @@
               <a:t>&lt;</a:t>
             </a:r>
             <a:r>
-              <a:rPr lang="en-US" dirty="0" err="1" smtClean="0">
+              <a:rPr lang="en-US" dirty="0" err="1">
                 <a:solidFill>
                   <a:schemeClr val="tx1">
                     <a:lumMod val="60000"/>
@@ -36872,7 +36575,7 @@
               <a:t>property_name</a:t>
             </a:r>
             <a:r>
-              <a:rPr lang="en-US" dirty="0" smtClean="0">
+              <a:rPr lang="en-US" dirty="0">
                 <a:solidFill>
                   <a:schemeClr val="tx1">
                     <a:lumMod val="60000"/>
@@ -36884,13 +36587,13 @@
               <a:t>&gt; </a:t>
             </a:r>
             <a:r>
-              <a:rPr lang="en-US" dirty="0" smtClean="0">
+              <a:rPr lang="en-US" dirty="0">
                 <a:latin typeface="Consolas" panose="020B0609020204030204" pitchFamily="49" charset="0"/>
               </a:rPr>
               <a:t>=</a:t>
             </a:r>
             <a:r>
-              <a:rPr lang="en-US" dirty="0" smtClean="0">
+              <a:rPr lang="en-US" dirty="0">
                 <a:solidFill>
                   <a:schemeClr val="tx1">
                     <a:lumMod val="60000"/>
@@ -36901,15 +36604,6 @@
               </a:rPr>
               <a:t> &lt;value&gt;</a:t>
             </a:r>
-            <a:endParaRPr lang="en-US" dirty="0">
-              <a:solidFill>
-                <a:schemeClr val="tx1">
-                  <a:lumMod val="60000"/>
-                  <a:lumOff val="40000"/>
-                </a:schemeClr>
-              </a:solidFill>
-              <a:latin typeface="Consolas" panose="020B0609020204030204" pitchFamily="49" charset="0"/>
-            </a:endParaRPr>
           </a:p>
           <a:p>
             <a:endParaRPr lang="en-US" dirty="0"/>
@@ -36950,7 +36644,7 @@
               <a:buNone/>
             </a:pPr>
             <a:r>
-              <a:rPr lang="en-US" sz="3200" dirty="0" err="1" smtClean="0">
+              <a:rPr lang="en-US" sz="3200" dirty="0" err="1">
                 <a:solidFill>
                   <a:srgbClr val="000000"/>
                 </a:solidFill>
@@ -36959,7 +36653,7 @@
               <a:t>teacup.color</a:t>
             </a:r>
             <a:r>
-              <a:rPr lang="en-US" sz="3200" dirty="0" smtClean="0">
+              <a:rPr lang="en-US" sz="3200" dirty="0">
                 <a:solidFill>
                   <a:srgbClr val="000000"/>
                 </a:solidFill>
@@ -36968,7 +36662,7 @@
               <a:t> = </a:t>
             </a:r>
             <a:r>
-              <a:rPr lang="en-US" sz="3200" dirty="0" smtClean="0">
+              <a:rPr lang="en-US" sz="3200" dirty="0">
                 <a:solidFill>
                   <a:srgbClr val="A31515"/>
                 </a:solidFill>
@@ -36977,7 +36671,7 @@
               <a:t>'blue'</a:t>
             </a:r>
             <a:r>
-              <a:rPr lang="en-US" sz="3200" dirty="0" smtClean="0">
+              <a:rPr lang="en-US" sz="3200" dirty="0">
                 <a:solidFill>
                   <a:srgbClr val="000000"/>
                 </a:solidFill>
@@ -36991,7 +36685,7 @@
               <a:buNone/>
             </a:pPr>
             <a:r>
-              <a:rPr lang="en-US" sz="3200" dirty="0" smtClean="0">
+              <a:rPr lang="en-US" sz="3200" dirty="0">
                 <a:solidFill>
                   <a:srgbClr val="000000"/>
                 </a:solidFill>
@@ -37000,7 +36694,7 @@
               <a:t>console.log(</a:t>
             </a:r>
             <a:r>
-              <a:rPr lang="en-US" sz="3200" dirty="0" smtClean="0">
+              <a:rPr lang="en-US" sz="3200" dirty="0">
                 <a:solidFill>
                   <a:srgbClr val="A31515"/>
                 </a:solidFill>
@@ -37009,7 +36703,7 @@
               <a:t>'the teacup is ' </a:t>
             </a:r>
             <a:r>
-              <a:rPr lang="en-US" sz="3200" dirty="0" smtClean="0">
+              <a:rPr lang="en-US" sz="3200" dirty="0">
                 <a:solidFill>
                   <a:srgbClr val="000000"/>
                 </a:solidFill>
@@ -37018,7 +36712,7 @@
               <a:t>+ </a:t>
             </a:r>
             <a:r>
-              <a:rPr lang="en-US" sz="3200" dirty="0" err="1" smtClean="0">
+              <a:rPr lang="en-US" sz="3200" dirty="0" err="1">
                 <a:solidFill>
                   <a:srgbClr val="000000"/>
                 </a:solidFill>
@@ -37027,7 +36721,7 @@
               <a:t>teacup.color</a:t>
             </a:r>
             <a:r>
-              <a:rPr lang="en-US" sz="3200" dirty="0" smtClean="0">
+              <a:rPr lang="en-US" sz="3200" dirty="0">
                 <a:solidFill>
                   <a:srgbClr val="000000"/>
                 </a:solidFill>
@@ -37035,12 +36729,6 @@
               </a:rPr>
               <a:t>);</a:t>
             </a:r>
-            <a:endParaRPr lang="en-US" sz="3200" dirty="0">
-              <a:solidFill>
-                <a:srgbClr val="000000"/>
-              </a:solidFill>
-              <a:latin typeface="Consolas" panose="020B0609020204030204" pitchFamily="49" charset="0"/>
-            </a:endParaRPr>
           </a:p>
         </p:txBody>
       </p:sp>
@@ -37057,13 +36745,67 @@
   <p:transition>
     <p:fade/>
   </p:transition>
-  <p:timing>
-    <p:tnLst>
-      <p:par>
-        <p:cTn id="1" dur="indefinite" restart="never" nodeType="tmRoot"/>
-      </p:par>
-    </p:tnLst>
-  </p:timing>
+</p:sld>
+</file>
+
+<file path=ppt/slides/slide11.xml><?xml version="1.0" encoding="utf-8"?>
+<p:sld xmlns:a="http://schemas.openxmlformats.org/drawingml/2006/main" xmlns:r="http://schemas.openxmlformats.org/officeDocument/2006/relationships" xmlns:p="http://schemas.openxmlformats.org/presentationml/2006/main">
+  <p:cSld>
+    <p:spTree>
+      <p:nvGrpSpPr>
+        <p:cNvPr id="1" name=""/>
+        <p:cNvGrpSpPr/>
+        <p:nvPr/>
+      </p:nvGrpSpPr>
+      <p:grpSpPr>
+        <a:xfrm>
+          <a:off x="0" y="0"/>
+          <a:ext cx="0" cy="0"/>
+          <a:chOff x="0" y="0"/>
+          <a:chExt cx="0" cy="0"/>
+        </a:xfrm>
+      </p:grpSpPr>
+      <p:sp>
+        <p:nvSpPr>
+          <p:cNvPr id="2" name="Text Placeholder 1">
+            <a:extLst>
+              <a:ext uri="{FF2B5EF4-FFF2-40B4-BE49-F238E27FC236}">
+                <a16:creationId xmlns:a16="http://schemas.microsoft.com/office/drawing/2014/main" id="{C7F740F5-ABF4-46AD-93FC-E3A29309372A}"/>
+              </a:ext>
+            </a:extLst>
+          </p:cNvPr>
+          <p:cNvSpPr>
+            <a:spLocks noGrp="1"/>
+          </p:cNvSpPr>
+          <p:nvPr>
+            <p:ph type="body" sz="quarter" idx="10"/>
+          </p:nvPr>
+        </p:nvSpPr>
+        <p:spPr/>
+        <p:txBody>
+          <a:bodyPr/>
+          <a:lstStyle/>
+          <a:p>
+            <a:r>
+              <a:rPr lang="en-US"/>
+              <a:t>Questions?</a:t>
+            </a:r>
+          </a:p>
+        </p:txBody>
+      </p:sp>
+    </p:spTree>
+    <p:extLst>
+      <p:ext uri="{BB962C8B-B14F-4D97-AF65-F5344CB8AC3E}">
+        <p14:creationId xmlns:p14="http://schemas.microsoft.com/office/powerpoint/2010/main" val="1685079796"/>
+      </p:ext>
+    </p:extLst>
+  </p:cSld>
+  <p:clrMapOvr>
+    <a:masterClrMapping/>
+  </p:clrMapOvr>
+  <p:transition>
+    <p:fade/>
+  </p:transition>
 </p:sld>
 </file>
 
@@ -37100,10 +36842,9 @@
           <a:lstStyle/>
           <a:p>
             <a:r>
-              <a:rPr lang="en-US" dirty="0" smtClean="0"/>
+              <a:rPr lang="en-US" dirty="0"/>
               <a:t>Agenda</a:t>
             </a:r>
-            <a:endParaRPr lang="en-US" dirty="0"/>
           </a:p>
         </p:txBody>
       </p:sp>
@@ -37123,13 +36864,13 @@
           <a:lstStyle/>
           <a:p>
             <a:r>
-              <a:rPr lang="en-US" dirty="0" smtClean="0"/>
+              <a:rPr lang="en-US" dirty="0"/>
               <a:t>Objects</a:t>
             </a:r>
           </a:p>
           <a:p>
             <a:r>
-              <a:rPr lang="en-US" dirty="0" smtClean="0"/>
+              <a:rPr lang="en-US" dirty="0"/>
               <a:t>Properties</a:t>
             </a:r>
           </a:p>
@@ -37148,13 +36889,6 @@
   <p:transition>
     <p:fade/>
   </p:transition>
-  <p:timing>
-    <p:tnLst>
-      <p:par>
-        <p:cTn id="1" dur="indefinite" restart="never" nodeType="tmRoot"/>
-      </p:par>
-    </p:tnLst>
-  </p:timing>
 </p:sld>
 </file>
 
@@ -37192,10 +36926,9 @@
           <a:p>
             <a:pPr algn="r"/>
             <a:r>
-              <a:rPr lang="en-US" dirty="0" smtClean="0"/>
+              <a:rPr lang="en-US" dirty="0"/>
               <a:t>Objects</a:t>
             </a:r>
-            <a:endParaRPr lang="en-US" dirty="0"/>
           </a:p>
         </p:txBody>
       </p:sp>
@@ -37251,13 +36984,6 @@
   <p:transition>
     <p:fade/>
   </p:transition>
-  <p:timing>
-    <p:tnLst>
-      <p:par>
-        <p:cTn id="1" dur="indefinite" restart="never" nodeType="tmRoot"/>
-      </p:par>
-    </p:tnLst>
-  </p:timing>
 </p:sld>
 </file>
 
@@ -37304,18 +37030,13 @@
           <a:lstStyle/>
           <a:p>
             <a:r>
-              <a:rPr lang="en-US" dirty="0" smtClean="0">
+              <a:rPr lang="en-US" dirty="0">
                 <a:solidFill>
                   <a:schemeClr val="bg1"/>
                 </a:solidFill>
               </a:rPr>
               <a:t>Objects Have Properties</a:t>
             </a:r>
-            <a:endParaRPr lang="en-US" dirty="0">
-              <a:solidFill>
-                <a:schemeClr val="bg1"/>
-              </a:solidFill>
-            </a:endParaRPr>
           </a:p>
         </p:txBody>
       </p:sp>
@@ -37345,7 +37066,7 @@
               <a:buNone/>
             </a:pPr>
             <a:r>
-              <a:rPr lang="en-US" sz="3200" i="1" dirty="0" smtClean="0">
+              <a:rPr lang="en-US" sz="3200" i="1" dirty="0">
                 <a:solidFill>
                   <a:schemeClr val="accent2"/>
                 </a:solidFill>
@@ -37601,18 +37322,13 @@
               <a:buChar char="•"/>
             </a:pPr>
             <a:r>
-              <a:rPr lang="en-US" sz="3600" b="1" dirty="0" smtClean="0">
+              <a:rPr lang="en-US" sz="3600" b="1" dirty="0">
                 <a:solidFill>
                   <a:schemeClr val="bg1"/>
                 </a:solidFill>
               </a:rPr>
               <a:t>Volume</a:t>
             </a:r>
-            <a:endParaRPr lang="en-US" sz="3600" b="1" dirty="0">
-              <a:solidFill>
-                <a:schemeClr val="bg1"/>
-              </a:solidFill>
-            </a:endParaRPr>
           </a:p>
           <a:p>
             <a:pPr marL="342900" indent="-342900">
@@ -37620,18 +37336,13 @@
               <a:buChar char="•"/>
             </a:pPr>
             <a:r>
-              <a:rPr lang="en-US" sz="3600" b="1" dirty="0" smtClean="0">
+              <a:rPr lang="en-US" sz="3600" b="1" dirty="0">
                 <a:solidFill>
                   <a:schemeClr val="bg1"/>
                 </a:solidFill>
               </a:rPr>
               <a:t>Material</a:t>
             </a:r>
-            <a:endParaRPr lang="en-US" sz="3600" b="1" dirty="0">
-              <a:solidFill>
-                <a:schemeClr val="bg1"/>
-              </a:solidFill>
-            </a:endParaRPr>
           </a:p>
           <a:p>
             <a:pPr marL="342900" indent="-342900">
@@ -37639,18 +37350,13 @@
               <a:buChar char="•"/>
             </a:pPr>
             <a:r>
-              <a:rPr lang="en-US" sz="3600" b="1" dirty="0" smtClean="0">
+              <a:rPr lang="en-US" sz="3600" b="1" dirty="0">
                 <a:solidFill>
                   <a:schemeClr val="bg1"/>
                 </a:solidFill>
               </a:rPr>
               <a:t>Hot</a:t>
             </a:r>
-            <a:endParaRPr lang="en-US" sz="3600" b="1" dirty="0">
-              <a:solidFill>
-                <a:schemeClr val="bg1"/>
-              </a:solidFill>
-            </a:endParaRPr>
           </a:p>
           <a:p>
             <a:pPr>
@@ -37661,7 +37367,7 @@
                 <a:spcPts val="600"/>
               </a:spcAft>
             </a:pPr>
-            <a:endParaRPr lang="en-US" sz="2400" dirty="0" err="1" smtClean="0">
+            <a:endParaRPr lang="en-US" sz="2400" dirty="0" err="1">
               <a:solidFill>
                 <a:schemeClr val="bg1"/>
               </a:solidFill>
@@ -37925,10 +37631,9 @@
           <a:lstStyle/>
           <a:p>
             <a:r>
-              <a:rPr lang="en-US" dirty="0" smtClean="0"/>
+              <a:rPr lang="en-US" dirty="0"/>
               <a:t>Objects in JavaScript – JSON</a:t>
             </a:r>
-            <a:endParaRPr lang="en-US" dirty="0"/>
           </a:p>
         </p:txBody>
       </p:sp>
@@ -37990,7 +37695,7 @@
               <a:t>    color: </a:t>
             </a:r>
             <a:r>
-              <a:rPr lang="en-US" sz="4000" dirty="0" smtClean="0">
+              <a:rPr lang="en-US" sz="4000" dirty="0">
                 <a:solidFill>
                   <a:srgbClr val="A31515"/>
                 </a:solidFill>
@@ -37999,7 +37704,7 @@
               <a:t>'red'</a:t>
             </a:r>
             <a:r>
-              <a:rPr lang="en-US" sz="4000" dirty="0" smtClean="0">
+              <a:rPr lang="en-US" sz="4000" dirty="0">
                 <a:solidFill>
                   <a:srgbClr val="000000"/>
                 </a:solidFill>
@@ -38007,12 +37712,6 @@
               </a:rPr>
               <a:t>,</a:t>
             </a:r>
-            <a:endParaRPr lang="en-US" sz="4000" dirty="0">
-              <a:solidFill>
-                <a:srgbClr val="000000"/>
-              </a:solidFill>
-              <a:latin typeface="Consolas" panose="020B0609020204030204" pitchFamily="49" charset="0"/>
-            </a:endParaRPr>
           </a:p>
           <a:p>
             <a:pPr marL="57150" indent="0">
@@ -38060,7 +37759,7 @@
               <a:t>    material: </a:t>
             </a:r>
             <a:r>
-              <a:rPr lang="en-US" sz="4000" dirty="0" smtClean="0">
+              <a:rPr lang="en-US" sz="4000" dirty="0">
                 <a:solidFill>
                   <a:srgbClr val="A31515"/>
                 </a:solidFill>
@@ -38069,7 +37768,7 @@
               <a:t>'plastic'</a:t>
             </a:r>
             <a:r>
-              <a:rPr lang="en-US" sz="4000" dirty="0" smtClean="0">
+              <a:rPr lang="en-US" sz="4000" dirty="0">
                 <a:solidFill>
                   <a:srgbClr val="000000"/>
                 </a:solidFill>
@@ -38077,12 +37776,6 @@
               </a:rPr>
               <a:t>,</a:t>
             </a:r>
-            <a:endParaRPr lang="en-US" sz="4000" dirty="0">
-              <a:solidFill>
-                <a:srgbClr val="000000"/>
-              </a:solidFill>
-              <a:latin typeface="Consolas" panose="020B0609020204030204" pitchFamily="49" charset="0"/>
-            </a:endParaRPr>
           </a:p>
           <a:p>
             <a:pPr marL="57150" indent="0">
@@ -38189,13 +37882,6 @@
   <p:transition>
     <p:fade/>
   </p:transition>
-  <p:timing>
-    <p:tnLst>
-      <p:par>
-        <p:cTn id="1" dur="indefinite" restart="never" nodeType="tmRoot"/>
-      </p:par>
-    </p:tnLst>
-  </p:timing>
 </p:sld>
 </file>
 
@@ -38232,10 +37918,9 @@
           <a:lstStyle/>
           <a:p>
             <a:r>
-              <a:rPr lang="en-US" dirty="0" smtClean="0"/>
+              <a:rPr lang="en-US" dirty="0"/>
               <a:t>What about this object?</a:t>
             </a:r>
-            <a:endParaRPr lang="en-US" dirty="0"/>
           </a:p>
         </p:txBody>
       </p:sp>
@@ -38336,7 +38021,7 @@
               <a:t>    color: </a:t>
             </a:r>
             <a:r>
-              <a:rPr lang="en-US" sz="4000" dirty="0" smtClean="0">
+              <a:rPr lang="en-US" sz="4000" dirty="0">
                 <a:solidFill>
                   <a:srgbClr val="A31515"/>
                 </a:solidFill>
@@ -38345,7 +38030,7 @@
               <a:t>'white'</a:t>
             </a:r>
             <a:r>
-              <a:rPr lang="en-US" sz="4000" dirty="0" smtClean="0">
+              <a:rPr lang="en-US" sz="4000" dirty="0">
                 <a:solidFill>
                   <a:srgbClr val="000000"/>
                 </a:solidFill>
@@ -38353,12 +38038,6 @@
               </a:rPr>
               <a:t>,</a:t>
             </a:r>
-            <a:endParaRPr lang="en-US" sz="4000" dirty="0">
-              <a:solidFill>
-                <a:srgbClr val="000000"/>
-              </a:solidFill>
-              <a:latin typeface="Consolas" panose="020B0609020204030204" pitchFamily="49" charset="0"/>
-            </a:endParaRPr>
           </a:p>
           <a:p>
             <a:pPr marL="57150" indent="0">
@@ -38406,7 +38085,7 @@
               <a:t>    material: </a:t>
             </a:r>
             <a:r>
-              <a:rPr lang="en-US" sz="4000" dirty="0" smtClean="0">
+              <a:rPr lang="en-US" sz="4000" dirty="0">
                 <a:solidFill>
                   <a:srgbClr val="A31515"/>
                 </a:solidFill>
@@ -38415,7 +38094,7 @@
               <a:t>'ceramic'</a:t>
             </a:r>
             <a:r>
-              <a:rPr lang="en-US" sz="4000" dirty="0" smtClean="0">
+              <a:rPr lang="en-US" sz="4000" dirty="0">
                 <a:solidFill>
                   <a:srgbClr val="000000"/>
                 </a:solidFill>
@@ -38423,12 +38102,6 @@
               </a:rPr>
               <a:t>,</a:t>
             </a:r>
-            <a:endParaRPr lang="en-US" sz="4000" dirty="0">
-              <a:solidFill>
-                <a:srgbClr val="000000"/>
-              </a:solidFill>
-              <a:latin typeface="Consolas" panose="020B0609020204030204" pitchFamily="49" charset="0"/>
-            </a:endParaRPr>
           </a:p>
           <a:p>
             <a:pPr marL="57150" indent="0">
@@ -38931,13 +38604,8 @@
             <a:pPr algn="r"/>
             <a:r>
               <a:rPr lang="en-US" dirty="0"/>
-              <a:t>P</a:t>
+              <a:t>Properties</a:t>
             </a:r>
-            <a:r>
-              <a:rPr lang="en-US" dirty="0" smtClean="0"/>
-              <a:t>roperties</a:t>
-            </a:r>
-            <a:endParaRPr lang="en-US" dirty="0"/>
           </a:p>
         </p:txBody>
       </p:sp>
@@ -38993,13 +38661,6 @@
   <p:transition>
     <p:fade/>
   </p:transition>
-  <p:timing>
-    <p:tnLst>
-      <p:par>
-        <p:cTn id="1" dur="indefinite" restart="never" nodeType="tmRoot"/>
-      </p:par>
-    </p:tnLst>
-  </p:timing>
 </p:sld>
 </file>
 
@@ -39071,7 +38732,7 @@
           </a:p>
           <a:p>
             <a:r>
-              <a:rPr lang="en-US" sz="3200" dirty="0" smtClean="0">
+              <a:rPr lang="en-US" sz="3200" dirty="0">
                 <a:solidFill>
                   <a:srgbClr val="569CD6"/>
                 </a:solidFill>
@@ -39118,22 +38779,13 @@
               <a:t>    </a:t>
             </a:r>
             <a:r>
-              <a:rPr lang="en-US" sz="3200" dirty="0" smtClean="0">
+              <a:rPr lang="en-US" sz="3200" dirty="0">
                 <a:solidFill>
                   <a:srgbClr val="9CDCFE"/>
                 </a:solidFill>
                 <a:latin typeface="Consolas" panose="020B0609020204030204" pitchFamily="49" charset="0"/>
               </a:rPr>
-              <a:t>material</a:t>
-            </a:r>
-            <a:r>
-              <a:rPr lang="en-US" sz="3200" dirty="0" smtClean="0">
-                <a:solidFill>
-                  <a:srgbClr val="9CDCFE"/>
-                </a:solidFill>
-                <a:latin typeface="Consolas" panose="020B0609020204030204" pitchFamily="49" charset="0"/>
-              </a:rPr>
-              <a:t>:</a:t>
+              <a:t>material:</a:t>
             </a:r>
             <a:r>
               <a:rPr lang="en-US" sz="3200" dirty="0">
@@ -39145,7 +38797,7 @@
               <a:t> </a:t>
             </a:r>
             <a:r>
-              <a:rPr lang="en-US" sz="3200" dirty="0" smtClean="0">
+              <a:rPr lang="en-US" sz="3200" dirty="0">
                 <a:solidFill>
                   <a:srgbClr val="CE9178"/>
                 </a:solidFill>
@@ -39196,18 +38848,13 @@
           <a:lstStyle/>
           <a:p>
             <a:r>
-              <a:rPr lang="en-US" dirty="0" smtClean="0">
+              <a:rPr lang="en-US" dirty="0">
                 <a:solidFill>
                   <a:schemeClr val="bg1"/>
                 </a:solidFill>
               </a:rPr>
               <a:t>What is a Property?</a:t>
             </a:r>
-            <a:endParaRPr lang="en-US" dirty="0">
-              <a:solidFill>
-                <a:schemeClr val="bg1"/>
-              </a:solidFill>
-            </a:endParaRPr>
           </a:p>
         </p:txBody>
       </p:sp>
@@ -39232,7 +38879,7 @@
           <a:lstStyle/>
           <a:p>
             <a:r>
-              <a:rPr lang="en-US" sz="3200" dirty="0" smtClean="0">
+              <a:rPr lang="en-US" sz="3200" dirty="0">
                 <a:solidFill>
                   <a:schemeClr val="bg1"/>
                 </a:solidFill>
@@ -39240,7 +38887,7 @@
               <a:t>A </a:t>
             </a:r>
             <a:r>
-              <a:rPr lang="en-US" sz="3200" u="sng" dirty="0" smtClean="0">
+              <a:rPr lang="en-US" sz="3200" u="sng" dirty="0">
                 <a:solidFill>
                   <a:schemeClr val="bg1"/>
                 </a:solidFill>
@@ -39248,7 +38895,7 @@
               <a:t>property</a:t>
             </a:r>
             <a:r>
-              <a:rPr lang="en-US" sz="3200" dirty="0" smtClean="0">
+              <a:rPr lang="en-US" sz="3200" dirty="0">
                 <a:solidFill>
                   <a:schemeClr val="bg1"/>
                 </a:solidFill>
@@ -39256,7 +38903,7 @@
               <a:t> is a </a:t>
             </a:r>
             <a:r>
-              <a:rPr lang="en-US" sz="3200" b="1" dirty="0" smtClean="0">
+              <a:rPr lang="en-US" sz="3200" b="1" dirty="0">
                 <a:solidFill>
                   <a:schemeClr val="bg1"/>
                 </a:solidFill>
@@ -39264,7 +38911,7 @@
               <a:t>variable</a:t>
             </a:r>
             <a:r>
-              <a:rPr lang="en-US" sz="3200" dirty="0" smtClean="0">
+              <a:rPr lang="en-US" sz="3200" dirty="0">
                 <a:solidFill>
                   <a:schemeClr val="bg1"/>
                 </a:solidFill>
@@ -39277,7 +38924,7 @@
           </a:p>
           <a:p>
             <a:r>
-              <a:rPr lang="en-US" sz="3200" dirty="0" smtClean="0">
+              <a:rPr lang="en-US" sz="3200" dirty="0">
                 <a:solidFill>
                   <a:schemeClr val="bg1"/>
                 </a:solidFill>
@@ -39285,7 +38932,7 @@
               <a:t>Each </a:t>
             </a:r>
             <a:r>
-              <a:rPr lang="en-US" sz="3200" u="sng" dirty="0" smtClean="0">
+              <a:rPr lang="en-US" sz="3200" u="sng" dirty="0">
                 <a:solidFill>
                   <a:schemeClr val="bg1"/>
                 </a:solidFill>
@@ -39293,7 +38940,7 @@
               <a:t>property</a:t>
             </a:r>
             <a:r>
-              <a:rPr lang="en-US" sz="3200" dirty="0" smtClean="0">
+              <a:rPr lang="en-US" sz="3200" dirty="0">
                 <a:solidFill>
                   <a:schemeClr val="bg1"/>
                 </a:solidFill>
@@ -39301,14 +38948,14 @@
               <a:t> on an object has a </a:t>
             </a:r>
             <a:r>
-              <a:rPr lang="en-US" sz="3200" b="1" dirty="0" smtClean="0">
+              <a:rPr lang="en-US" sz="3200" b="1" dirty="0">
                 <a:solidFill>
                   <a:schemeClr val="bg1"/>
                 </a:solidFill>
               </a:rPr>
               <a:t>value</a:t>
             </a:r>
-            <a:endParaRPr lang="en-US" sz="3200" dirty="0" smtClean="0">
+            <a:endParaRPr lang="en-US" sz="3200" dirty="0">
               <a:solidFill>
                 <a:schemeClr val="bg1"/>
               </a:solidFill>
@@ -39382,7 +39029,7 @@
                 <a:spcPct val="0"/>
               </a:spcAft>
             </a:pPr>
-            <a:endParaRPr lang="en-US" sz="2400" dirty="0" err="1" smtClean="0">
+            <a:endParaRPr lang="en-US" sz="2400" dirty="0" err="1">
               <a:gradFill>
                 <a:gsLst>
                   <a:gs pos="0">
@@ -39431,7 +39078,7 @@
               </a:spcAft>
             </a:pPr>
             <a:r>
-              <a:rPr lang="en-US" sz="3600" b="1" dirty="0" smtClean="0">
+              <a:rPr lang="en-US" sz="3600" b="1" dirty="0">
                 <a:solidFill>
                   <a:schemeClr val="accent1"/>
                 </a:solidFill>
@@ -39439,7 +39086,7 @@
               <a:t>Property: </a:t>
             </a:r>
             <a:r>
-              <a:rPr lang="en-US" sz="3600" dirty="0" smtClean="0">
+              <a:rPr lang="en-US" sz="3600" dirty="0">
                 <a:solidFill>
                   <a:srgbClr val="9CDCFE"/>
                 </a:solidFill>
@@ -39447,7 +39094,7 @@
               </a:rPr>
               <a:t>material</a:t>
             </a:r>
-            <a:endParaRPr lang="en-US" sz="3600" dirty="0" smtClean="0">
+            <a:endParaRPr lang="en-US" sz="3600" dirty="0">
               <a:solidFill>
                 <a:schemeClr val="bg1"/>
               </a:solidFill>
@@ -39519,7 +39166,7 @@
                 <a:spcPct val="0"/>
               </a:spcAft>
             </a:pPr>
-            <a:endParaRPr lang="en-US" sz="2400" dirty="0" err="1" smtClean="0">
+            <a:endParaRPr lang="en-US" sz="2400" dirty="0" err="1">
               <a:gradFill>
                 <a:gsLst>
                   <a:gs pos="0">
@@ -39576,7 +39223,7 @@
               <a:t>Value: </a:t>
             </a:r>
             <a:r>
-              <a:rPr lang="en-US" sz="3600" dirty="0" smtClean="0">
+              <a:rPr lang="en-US" sz="3600" dirty="0">
                 <a:solidFill>
                   <a:srgbClr val="CE9178"/>
                 </a:solidFill>
@@ -39950,7 +39597,7 @@
               <a:t>    material: </a:t>
             </a:r>
             <a:r>
-              <a:rPr lang="en-US" sz="3200" dirty="0" smtClean="0">
+              <a:rPr lang="en-US" sz="3200" dirty="0">
                 <a:solidFill>
                   <a:srgbClr val="A31515"/>
                 </a:solidFill>
@@ -39983,15 +39630,6 @@
             <a:pPr marL="57150" indent="0">
               <a:buNone/>
             </a:pPr>
-            <a:r>
-              <a:rPr lang="en-US" sz="3200" dirty="0">
-                <a:solidFill>
-                  <a:srgbClr val="000000"/>
-                </a:solidFill>
-                <a:latin typeface="Consolas" panose="020B0609020204030204" pitchFamily="49" charset="0"/>
-              </a:rPr>
-              <a:t/>
-            </a:r>
             <a:br>
               <a:rPr lang="en-US" sz="3200" dirty="0">
                 <a:solidFill>
@@ -40058,7 +39696,7 @@
           <a:p>
             <a:pPr marL="57150"/>
             <a:r>
-              <a:rPr lang="en-US" sz="3200" dirty="0" smtClean="0">
+              <a:rPr lang="en-US" sz="3200" dirty="0">
                 <a:solidFill>
                   <a:srgbClr val="000000"/>
                 </a:solidFill>
@@ -40067,7 +39705,7 @@
               <a:t>console.log(</a:t>
             </a:r>
             <a:r>
-              <a:rPr lang="en-US" sz="3200" dirty="0" smtClean="0">
+              <a:rPr lang="en-US" sz="3200" dirty="0">
                 <a:solidFill>
                   <a:srgbClr val="A31515"/>
                 </a:solidFill>
@@ -40076,7 +39714,7 @@
               <a:t>'the teacup is '</a:t>
             </a:r>
             <a:r>
-              <a:rPr lang="en-US" sz="3200" dirty="0" smtClean="0">
+              <a:rPr lang="en-US" sz="3200" dirty="0">
                 <a:solidFill>
                   <a:srgbClr val="000000"/>
                 </a:solidFill>
@@ -40085,7 +39723,7 @@
               <a:t> + </a:t>
             </a:r>
             <a:r>
-              <a:rPr lang="en-US" sz="3200" dirty="0" err="1" smtClean="0">
+              <a:rPr lang="en-US" sz="3200" dirty="0" err="1">
                 <a:solidFill>
                   <a:srgbClr val="000000"/>
                 </a:solidFill>
@@ -40094,7 +39732,7 @@
               <a:t>objectMaterial</a:t>
             </a:r>
             <a:r>
-              <a:rPr lang="en-US" sz="3200" dirty="0" smtClean="0">
+              <a:rPr lang="en-US" sz="3200" dirty="0">
                 <a:solidFill>
                   <a:srgbClr val="000000"/>
                 </a:solidFill>
@@ -40102,12 +39740,6 @@
               </a:rPr>
               <a:t>);</a:t>
             </a:r>
-            <a:endParaRPr lang="en-US" sz="3200" dirty="0">
-              <a:solidFill>
-                <a:srgbClr val="000000"/>
-              </a:solidFill>
-              <a:latin typeface="Consolas" panose="020B0609020204030204" pitchFamily="49" charset="0"/>
-            </a:endParaRPr>
           </a:p>
         </p:txBody>
       </p:sp>
@@ -40127,10 +39759,9 @@
           <a:lstStyle/>
           <a:p>
             <a:r>
-              <a:rPr lang="en-US" dirty="0" smtClean="0"/>
+              <a:rPr lang="en-US" dirty="0"/>
               <a:t>Getting a Property</a:t>
             </a:r>
-            <a:endParaRPr lang="en-US" dirty="0"/>
           </a:p>
         </p:txBody>
       </p:sp>
@@ -40157,30 +39788,30 @@
           <a:lstStyle/>
           <a:p>
             <a:r>
-              <a:rPr lang="en-US" dirty="0" smtClean="0"/>
+              <a:rPr lang="en-US" dirty="0"/>
               <a:t>Use </a:t>
             </a:r>
             <a:r>
-              <a:rPr lang="en-US" b="1" dirty="0" smtClean="0"/>
+              <a:rPr lang="en-US" b="1" dirty="0"/>
               <a:t>dot notation</a:t>
             </a:r>
             <a:r>
-              <a:rPr lang="en-US" dirty="0" smtClean="0"/>
+              <a:rPr lang="en-US" dirty="0"/>
               <a:t> to </a:t>
             </a:r>
             <a:r>
-              <a:rPr lang="en-US" i="1" dirty="0" smtClean="0"/>
+              <a:rPr lang="en-US" i="1" dirty="0"/>
               <a:t>get</a:t>
             </a:r>
             <a:r>
-              <a:rPr lang="en-US" dirty="0" smtClean="0"/>
+              <a:rPr lang="en-US" dirty="0"/>
               <a:t> a property value from an object</a:t>
             </a:r>
           </a:p>
           <a:p>
             <a:pPr lvl="1"/>
             <a:r>
-              <a:rPr lang="en-US" dirty="0" smtClean="0">
+              <a:rPr lang="en-US" dirty="0">
                 <a:solidFill>
                   <a:schemeClr val="tx1">
                     <a:lumMod val="60000"/>
@@ -40192,7 +39823,7 @@
               <a:t>&lt;</a:t>
             </a:r>
             <a:r>
-              <a:rPr lang="en-US" dirty="0" err="1" smtClean="0">
+              <a:rPr lang="en-US" dirty="0" err="1">
                 <a:solidFill>
                   <a:schemeClr val="tx1">
                     <a:lumMod val="60000"/>
@@ -40204,7 +39835,7 @@
               <a:t>object_name</a:t>
             </a:r>
             <a:r>
-              <a:rPr lang="en-US" dirty="0" smtClean="0">
+              <a:rPr lang="en-US" dirty="0">
                 <a:solidFill>
                   <a:schemeClr val="tx1">
                     <a:lumMod val="60000"/>
@@ -40216,13 +39847,13 @@
               <a:t>&gt;</a:t>
             </a:r>
             <a:r>
-              <a:rPr lang="en-US" sz="3200" b="1" dirty="0" smtClean="0">
+              <a:rPr lang="en-US" sz="3200" b="1" dirty="0">
                 <a:latin typeface="Consolas" panose="020B0609020204030204" pitchFamily="49" charset="0"/>
               </a:rPr>
               <a:t>.</a:t>
             </a:r>
             <a:r>
-              <a:rPr lang="en-US" dirty="0" smtClean="0">
+              <a:rPr lang="en-US" dirty="0">
                 <a:solidFill>
                   <a:schemeClr val="tx1">
                     <a:lumMod val="60000"/>
@@ -40234,7 +39865,7 @@
               <a:t>&lt;</a:t>
             </a:r>
             <a:r>
-              <a:rPr lang="en-US" dirty="0" err="1" smtClean="0">
+              <a:rPr lang="en-US" dirty="0" err="1">
                 <a:solidFill>
                   <a:schemeClr val="tx1">
                     <a:lumMod val="60000"/>
@@ -40246,7 +39877,7 @@
               <a:t>property_name</a:t>
             </a:r>
             <a:r>
-              <a:rPr lang="en-US" dirty="0" smtClean="0">
+              <a:rPr lang="en-US" dirty="0">
                 <a:solidFill>
                   <a:schemeClr val="tx1">
                     <a:lumMod val="60000"/>
@@ -40323,7 +39954,7 @@
                 <a:spcPct val="0"/>
               </a:spcAft>
             </a:pPr>
-            <a:endParaRPr lang="en-US" sz="2400" dirty="0" err="1" smtClean="0">
+            <a:endParaRPr lang="en-US" sz="2400" dirty="0" err="1">
               <a:gradFill>
                 <a:gsLst>
                   <a:gs pos="0">
@@ -40372,7 +40003,7 @@
               </a:spcAft>
             </a:pPr>
             <a:r>
-              <a:rPr lang="en-US" sz="2800" b="1" dirty="0" err="1" smtClean="0">
+              <a:rPr lang="en-US" sz="2800" b="1" dirty="0" err="1">
                 <a:solidFill>
                   <a:schemeClr val="accent1"/>
                 </a:solidFill>
@@ -40380,7 +40011,7 @@
               <a:t>object_name</a:t>
             </a:r>
             <a:r>
-              <a:rPr lang="en-US" sz="2800" b="1" dirty="0" smtClean="0">
+              <a:rPr lang="en-US" sz="2800" b="1" dirty="0">
                 <a:solidFill>
                   <a:schemeClr val="accent1"/>
                 </a:solidFill>
@@ -40388,7 +40019,7 @@
               <a:t>: </a:t>
             </a:r>
             <a:r>
-              <a:rPr lang="en-US" sz="2800" dirty="0" smtClean="0">
+              <a:rPr lang="en-US" sz="2800" dirty="0">
                 <a:solidFill>
                   <a:srgbClr val="000000"/>
                 </a:solidFill>
@@ -40430,7 +40061,7 @@
               </a:spcAft>
             </a:pPr>
             <a:r>
-              <a:rPr lang="en-US" sz="2800" b="1" dirty="0" err="1" smtClean="0">
+              <a:rPr lang="en-US" sz="2800" b="1" dirty="0" err="1">
                 <a:solidFill>
                   <a:schemeClr val="accent2"/>
                 </a:solidFill>
@@ -40438,7 +40069,7 @@
               <a:t>property_name</a:t>
             </a:r>
             <a:r>
-              <a:rPr lang="en-US" sz="2800" b="1" dirty="0" smtClean="0">
+              <a:rPr lang="en-US" sz="2800" b="1" dirty="0">
                 <a:solidFill>
                   <a:schemeClr val="accent2"/>
                 </a:solidFill>
@@ -40446,7 +40077,7 @@
               <a:t>: </a:t>
             </a:r>
             <a:r>
-              <a:rPr lang="en-US" sz="2800" dirty="0" smtClean="0">
+              <a:rPr lang="en-US" sz="2800" dirty="0">
                 <a:solidFill>
                   <a:srgbClr val="000000"/>
                 </a:solidFill>
@@ -40533,7 +40164,7 @@
                 <a:spcPct val="0"/>
               </a:spcAft>
             </a:pPr>
-            <a:endParaRPr lang="en-US" sz="2400" dirty="0" err="1" smtClean="0">
+            <a:endParaRPr lang="en-US" sz="2400" dirty="0" err="1">
               <a:gradFill>
                 <a:gsLst>
                   <a:gs pos="0">
